--- a/project/Präsentation CV-Prak.pptx
+++ b/project/Präsentation CV-Prak.pptx
@@ -111,6 +111,11 @@
       </a:defRPr>
     </a:lvl9pPr>
   </p:defaultTextStyle>
+  <p:extLst>
+    <p:ext uri="{EFAFB233-063F-42B5-8137-9DF3F51BA10A}">
+      <p15:sldGuideLst xmlns:p15="http://schemas.microsoft.com/office/powerpoint/2012/main"/>
+    </p:ext>
+  </p:extLst>
 </p:presentation>
 </file>
 
@@ -261,7 +266,7 @@
           <a:p>
             <a:fld id="{3F86B6B5-3B37-4848-B40E-22A2A7CEFEDD}" type="datetimeFigureOut">
               <a:rPr lang="de-DE" smtClean="0"/>
-              <a:t>05.07.2018</a:t>
+              <a:t>07.07.2018</a:t>
             </a:fld>
             <a:endParaRPr lang="de-DE"/>
           </a:p>
@@ -459,7 +464,7 @@
           <a:p>
             <a:fld id="{3F86B6B5-3B37-4848-B40E-22A2A7CEFEDD}" type="datetimeFigureOut">
               <a:rPr lang="de-DE" smtClean="0"/>
-              <a:t>05.07.2018</a:t>
+              <a:t>07.07.2018</a:t>
             </a:fld>
             <a:endParaRPr lang="de-DE"/>
           </a:p>
@@ -667,7 +672,7 @@
           <a:p>
             <a:fld id="{3F86B6B5-3B37-4848-B40E-22A2A7CEFEDD}" type="datetimeFigureOut">
               <a:rPr lang="de-DE" smtClean="0"/>
-              <a:t>05.07.2018</a:t>
+              <a:t>07.07.2018</a:t>
             </a:fld>
             <a:endParaRPr lang="de-DE"/>
           </a:p>
@@ -865,7 +870,7 @@
           <a:p>
             <a:fld id="{3F86B6B5-3B37-4848-B40E-22A2A7CEFEDD}" type="datetimeFigureOut">
               <a:rPr lang="de-DE" smtClean="0"/>
-              <a:t>05.07.2018</a:t>
+              <a:t>07.07.2018</a:t>
             </a:fld>
             <a:endParaRPr lang="de-DE"/>
           </a:p>
@@ -1140,7 +1145,7 @@
           <a:p>
             <a:fld id="{3F86B6B5-3B37-4848-B40E-22A2A7CEFEDD}" type="datetimeFigureOut">
               <a:rPr lang="de-DE" smtClean="0"/>
-              <a:t>05.07.2018</a:t>
+              <a:t>07.07.2018</a:t>
             </a:fld>
             <a:endParaRPr lang="de-DE"/>
           </a:p>
@@ -1405,7 +1410,7 @@
           <a:p>
             <a:fld id="{3F86B6B5-3B37-4848-B40E-22A2A7CEFEDD}" type="datetimeFigureOut">
               <a:rPr lang="de-DE" smtClean="0"/>
-              <a:t>05.07.2018</a:t>
+              <a:t>07.07.2018</a:t>
             </a:fld>
             <a:endParaRPr lang="de-DE"/>
           </a:p>
@@ -1817,7 +1822,7 @@
           <a:p>
             <a:fld id="{3F86B6B5-3B37-4848-B40E-22A2A7CEFEDD}" type="datetimeFigureOut">
               <a:rPr lang="de-DE" smtClean="0"/>
-              <a:t>05.07.2018</a:t>
+              <a:t>07.07.2018</a:t>
             </a:fld>
             <a:endParaRPr lang="de-DE"/>
           </a:p>
@@ -1958,7 +1963,7 @@
           <a:p>
             <a:fld id="{3F86B6B5-3B37-4848-B40E-22A2A7CEFEDD}" type="datetimeFigureOut">
               <a:rPr lang="de-DE" smtClean="0"/>
-              <a:t>05.07.2018</a:t>
+              <a:t>07.07.2018</a:t>
             </a:fld>
             <a:endParaRPr lang="de-DE"/>
           </a:p>
@@ -2071,7 +2076,7 @@
           <a:p>
             <a:fld id="{3F86B6B5-3B37-4848-B40E-22A2A7CEFEDD}" type="datetimeFigureOut">
               <a:rPr lang="de-DE" smtClean="0"/>
-              <a:t>05.07.2018</a:t>
+              <a:t>07.07.2018</a:t>
             </a:fld>
             <a:endParaRPr lang="de-DE"/>
           </a:p>
@@ -2382,7 +2387,7 @@
           <a:p>
             <a:fld id="{3F86B6B5-3B37-4848-B40E-22A2A7CEFEDD}" type="datetimeFigureOut">
               <a:rPr lang="de-DE" smtClean="0"/>
-              <a:t>05.07.2018</a:t>
+              <a:t>07.07.2018</a:t>
             </a:fld>
             <a:endParaRPr lang="de-DE"/>
           </a:p>
@@ -2670,7 +2675,7 @@
           <a:p>
             <a:fld id="{3F86B6B5-3B37-4848-B40E-22A2A7CEFEDD}" type="datetimeFigureOut">
               <a:rPr lang="de-DE" smtClean="0"/>
-              <a:t>05.07.2018</a:t>
+              <a:t>07.07.2018</a:t>
             </a:fld>
             <a:endParaRPr lang="de-DE"/>
           </a:p>
@@ -2911,7 +2916,7 @@
           <a:p>
             <a:fld id="{3F86B6B5-3B37-4848-B40E-22A2A7CEFEDD}" type="datetimeFigureOut">
               <a:rPr lang="de-DE" smtClean="0"/>
-              <a:t>05.07.2018</a:t>
+              <a:t>07.07.2018</a:t>
             </a:fld>
             <a:endParaRPr lang="de-DE"/>
           </a:p>
@@ -3358,7 +3363,13 @@
             <a:br>
               <a:rPr lang="de-DE" dirty="0"/>
             </a:br>
-            <a:endParaRPr lang="de-DE" dirty="0"/>
+            <a:br>
+              <a:rPr lang="de-DE" altLang="de-DE" sz="1500" dirty="0">
+                <a:latin typeface="Calibri Light" panose="020F0302020204030204" pitchFamily="34" charset="0"/>
+                <a:cs typeface="Calibri Light" panose="020F0302020204030204" pitchFamily="34" charset="0"/>
+              </a:rPr>
+            </a:br>
+            <a:endParaRPr lang="de-DE" sz="1500" dirty="0"/>
           </a:p>
         </p:txBody>
       </p:sp>
@@ -3387,6 +3398,44 @@
               <a:rPr lang="de-DE" dirty="0"/>
               <a:t>Maschinelle Erkennung von handschriftlich geschriebenen Buchstaben</a:t>
             </a:r>
+          </a:p>
+          <a:p>
+            <a:r>
+              <a:rPr lang="de-DE" altLang="de-DE" sz="1200" i="1" dirty="0">
+                <a:latin typeface="Calibri Light" panose="020F0302020204030204" pitchFamily="34" charset="0"/>
+                <a:cs typeface="Calibri Light" panose="020F0302020204030204" pitchFamily="34" charset="0"/>
+              </a:rPr>
+              <a:t>Moritz </a:t>
+            </a:r>
+            <a:r>
+              <a:rPr lang="de-DE" altLang="de-DE" sz="1200" i="1" dirty="0" err="1">
+                <a:latin typeface="Calibri Light" panose="020F0302020204030204" pitchFamily="34" charset="0"/>
+                <a:cs typeface="Calibri Light" panose="020F0302020204030204" pitchFamily="34" charset="0"/>
+              </a:rPr>
+              <a:t>Lahann</a:t>
+            </a:r>
+            <a:r>
+              <a:rPr lang="de-DE" altLang="de-DE" sz="1200" i="1" dirty="0">
+                <a:latin typeface="Calibri Light" panose="020F0302020204030204" pitchFamily="34" charset="0"/>
+                <a:cs typeface="Calibri Light" panose="020F0302020204030204" pitchFamily="34" charset="0"/>
+              </a:rPr>
+              <a:t>(6948050), Henrik Peters(6945965), Michael Huang(6947879), Iman </a:t>
+            </a:r>
+            <a:r>
+              <a:rPr lang="de-DE" altLang="de-DE" sz="1200" i="1" dirty="0" err="1">
+                <a:latin typeface="Calibri Light" panose="020F0302020204030204" pitchFamily="34" charset="0"/>
+                <a:cs typeface="Calibri Light" panose="020F0302020204030204" pitchFamily="34" charset="0"/>
+              </a:rPr>
+              <a:t>Maiwandi</a:t>
+            </a:r>
+            <a:r>
+              <a:rPr lang="de-DE" altLang="de-DE" sz="1200" i="1" dirty="0">
+                <a:latin typeface="Calibri Light" panose="020F0302020204030204" pitchFamily="34" charset="0"/>
+                <a:cs typeface="Calibri Light" panose="020F0302020204030204" pitchFamily="34" charset="0"/>
+              </a:rPr>
+              <a:t>(6989075)</a:t>
+            </a:r>
+            <a:endParaRPr lang="de-DE" sz="1200" dirty="0"/>
           </a:p>
         </p:txBody>
       </p:sp>
@@ -3469,7 +3518,7 @@
           <a:bodyPr/>
           <a:lstStyle/>
           <a:p>
-            <a:endParaRPr lang="de-DE"/>
+            <a:endParaRPr lang="de-DE" dirty="0"/>
           </a:p>
         </p:txBody>
       </p:sp>
@@ -3547,12 +3596,169 @@
             <p:ph idx="1"/>
           </p:nvPr>
         </p:nvSpPr>
-        <p:spPr/>
-        <p:txBody>
-          <a:bodyPr/>
-          <a:lstStyle/>
-          <a:p>
+        <p:spPr>
+          <a:xfrm>
+            <a:off x="838200" y="1825625"/>
+            <a:ext cx="5257800" cy="4351338"/>
+          </a:xfrm>
+        </p:spPr>
+        <p:txBody>
+          <a:bodyPr/>
+          <a:lstStyle/>
+          <a:p>
+            <a:endParaRPr lang="de-DE" dirty="0"/>
+          </a:p>
+        </p:txBody>
+      </p:sp>
+      <p:sp>
+        <p:nvSpPr>
+          <p:cNvPr id="4" name="Rechteck 3">
+            <a:extLst>
+              <a:ext uri="{FF2B5EF4-FFF2-40B4-BE49-F238E27FC236}">
+                <a16:creationId xmlns:a16="http://schemas.microsoft.com/office/drawing/2014/main" id="{0A2B72CD-FE1A-4DF9-81C4-1E14B21925DB}"/>
+              </a:ext>
+            </a:extLst>
+          </p:cNvPr>
+          <p:cNvSpPr/>
+          <p:nvPr/>
+        </p:nvSpPr>
+        <p:spPr>
+          <a:xfrm>
+            <a:off x="7206142" y="1027906"/>
+            <a:ext cx="4315437" cy="2206304"/>
+          </a:xfrm>
+          <a:prstGeom prst="rect">
+            <a:avLst/>
+          </a:prstGeom>
+        </p:spPr>
+        <p:style>
+          <a:lnRef idx="1">
+            <a:schemeClr val="dk1"/>
+          </a:lnRef>
+          <a:fillRef idx="2">
+            <a:schemeClr val="dk1"/>
+          </a:fillRef>
+          <a:effectRef idx="1">
+            <a:schemeClr val="dk1"/>
+          </a:effectRef>
+          <a:fontRef idx="minor">
+            <a:schemeClr val="dk1"/>
+          </a:fontRef>
+        </p:style>
+        <p:txBody>
+          <a:bodyPr rtlCol="0" anchor="ctr"/>
+          <a:lstStyle/>
+          <a:p>
+            <a:pPr algn="ctr"/>
+            <a:r>
+              <a:rPr lang="de-DE" dirty="0"/>
+              <a:t>NIST SD 19 Datensatz</a:t>
+            </a:r>
+          </a:p>
+          <a:p>
+            <a:pPr algn="ctr"/>
+            <a:r>
+              <a:rPr lang="de-DE" dirty="0"/>
+              <a:t>(Raw)</a:t>
+            </a:r>
+          </a:p>
+        </p:txBody>
+      </p:sp>
+      <p:sp>
+        <p:nvSpPr>
+          <p:cNvPr id="6" name="Pfeil: nach rechts 5">
+            <a:extLst>
+              <a:ext uri="{FF2B5EF4-FFF2-40B4-BE49-F238E27FC236}">
+                <a16:creationId xmlns:a16="http://schemas.microsoft.com/office/drawing/2014/main" id="{02F33BDF-72D6-40A2-8DD1-42EBB1CC0FF1}"/>
+              </a:ext>
+            </a:extLst>
+          </p:cNvPr>
+          <p:cNvSpPr/>
+          <p:nvPr/>
+        </p:nvSpPr>
+        <p:spPr>
+          <a:xfrm rot="5400000">
+            <a:off x="7369503" y="4881598"/>
+            <a:ext cx="3988711" cy="693935"/>
+          </a:xfrm>
+          <a:prstGeom prst="rightArrow">
+            <a:avLst/>
+          </a:prstGeom>
+        </p:spPr>
+        <p:style>
+          <a:lnRef idx="1">
+            <a:schemeClr val="accent1"/>
+          </a:lnRef>
+          <a:fillRef idx="2">
+            <a:schemeClr val="accent1"/>
+          </a:fillRef>
+          <a:effectRef idx="1">
+            <a:schemeClr val="accent1"/>
+          </a:effectRef>
+          <a:fontRef idx="minor">
+            <a:schemeClr val="dk1"/>
+          </a:fontRef>
+        </p:style>
+        <p:txBody>
+          <a:bodyPr rtlCol="0" anchor="ctr"/>
+          <a:lstStyle/>
+          <a:p>
+            <a:pPr algn="ctr"/>
             <a:endParaRPr lang="de-DE"/>
+          </a:p>
+        </p:txBody>
+      </p:sp>
+      <p:sp>
+        <p:nvSpPr>
+          <p:cNvPr id="7" name="Ellipse 6">
+            <a:extLst>
+              <a:ext uri="{FF2B5EF4-FFF2-40B4-BE49-F238E27FC236}">
+                <a16:creationId xmlns:a16="http://schemas.microsoft.com/office/drawing/2014/main" id="{52272D95-6542-4908-A758-7810E48F4199}"/>
+              </a:ext>
+            </a:extLst>
+          </p:cNvPr>
+          <p:cNvSpPr/>
+          <p:nvPr/>
+        </p:nvSpPr>
+        <p:spPr>
+          <a:xfrm>
+            <a:off x="8113898" y="4580134"/>
+            <a:ext cx="2499919" cy="1249960"/>
+          </a:xfrm>
+          <a:prstGeom prst="ellipse">
+            <a:avLst/>
+          </a:prstGeom>
+        </p:spPr>
+        <p:style>
+          <a:lnRef idx="1">
+            <a:schemeClr val="accent1"/>
+          </a:lnRef>
+          <a:fillRef idx="2">
+            <a:schemeClr val="accent1"/>
+          </a:fillRef>
+          <a:effectRef idx="1">
+            <a:schemeClr val="accent1"/>
+          </a:effectRef>
+          <a:fontRef idx="minor">
+            <a:schemeClr val="dk1"/>
+          </a:fontRef>
+        </p:style>
+        <p:txBody>
+          <a:bodyPr rtlCol="0" anchor="ctr"/>
+          <a:lstStyle/>
+          <a:p>
+            <a:pPr algn="ctr"/>
+            <a:r>
+              <a:rPr lang="de-DE" sz="1500" dirty="0"/>
+              <a:t>Formatierung von 128x128 zu 28x28</a:t>
+            </a:r>
+          </a:p>
+          <a:p>
+            <a:pPr algn="ctr"/>
+            <a:r>
+              <a:rPr lang="de-DE" sz="1500" dirty="0"/>
+              <a:t>(4 Channel RGB)</a:t>
+            </a:r>
           </a:p>
         </p:txBody>
       </p:sp>
@@ -3630,15 +3836,680 @@
             <p:ph idx="1"/>
           </p:nvPr>
         </p:nvSpPr>
-        <p:spPr/>
-        <p:txBody>
-          <a:bodyPr/>
-          <a:lstStyle/>
-          <a:p>
+        <p:spPr>
+          <a:xfrm>
+            <a:off x="838200" y="1825625"/>
+            <a:ext cx="5257800" cy="4351338"/>
+          </a:xfrm>
+        </p:spPr>
+        <p:txBody>
+          <a:bodyPr/>
+          <a:lstStyle/>
+          <a:p>
+            <a:endParaRPr lang="de-DE" dirty="0"/>
+          </a:p>
+        </p:txBody>
+      </p:sp>
+      <p:sp>
+        <p:nvSpPr>
+          <p:cNvPr id="4" name="Pfeil: nach rechts 3">
+            <a:extLst>
+              <a:ext uri="{FF2B5EF4-FFF2-40B4-BE49-F238E27FC236}">
+                <a16:creationId xmlns:a16="http://schemas.microsoft.com/office/drawing/2014/main" id="{CB13A0E0-9D24-4B1B-9A7E-71B78A93EB0C}"/>
+              </a:ext>
+            </a:extLst>
+          </p:cNvPr>
+          <p:cNvSpPr/>
+          <p:nvPr/>
+        </p:nvSpPr>
+        <p:spPr>
+          <a:xfrm rot="5400000">
+            <a:off x="8893597" y="-45438"/>
+            <a:ext cx="890186" cy="693935"/>
+          </a:xfrm>
+          <a:prstGeom prst="rightArrow">
+            <a:avLst/>
+          </a:prstGeom>
+        </p:spPr>
+        <p:style>
+          <a:lnRef idx="1">
+            <a:schemeClr val="accent1"/>
+          </a:lnRef>
+          <a:fillRef idx="2">
+            <a:schemeClr val="accent1"/>
+          </a:fillRef>
+          <a:effectRef idx="1">
+            <a:schemeClr val="accent1"/>
+          </a:effectRef>
+          <a:fontRef idx="minor">
+            <a:schemeClr val="dk1"/>
+          </a:fontRef>
+        </p:style>
+        <p:txBody>
+          <a:bodyPr rtlCol="0" anchor="ctr"/>
+          <a:lstStyle/>
+          <a:p>
+            <a:pPr algn="ctr"/>
             <a:endParaRPr lang="de-DE"/>
           </a:p>
         </p:txBody>
       </p:sp>
+      <p:sp>
+        <p:nvSpPr>
+          <p:cNvPr id="5" name="Rechteck 4">
+            <a:extLst>
+              <a:ext uri="{FF2B5EF4-FFF2-40B4-BE49-F238E27FC236}">
+                <a16:creationId xmlns:a16="http://schemas.microsoft.com/office/drawing/2014/main" id="{4FC3145C-57C7-4A94-BC2B-58A51365D96B}"/>
+              </a:ext>
+            </a:extLst>
+          </p:cNvPr>
+          <p:cNvSpPr/>
+          <p:nvPr/>
+        </p:nvSpPr>
+        <p:spPr>
+          <a:xfrm>
+            <a:off x="7885650" y="746623"/>
+            <a:ext cx="2902591" cy="1325563"/>
+          </a:xfrm>
+          <a:prstGeom prst="rect">
+            <a:avLst/>
+          </a:prstGeom>
+        </p:spPr>
+        <p:style>
+          <a:lnRef idx="1">
+            <a:schemeClr val="dk1"/>
+          </a:lnRef>
+          <a:fillRef idx="2">
+            <a:schemeClr val="dk1"/>
+          </a:fillRef>
+          <a:effectRef idx="1">
+            <a:schemeClr val="dk1"/>
+          </a:effectRef>
+          <a:fontRef idx="minor">
+            <a:schemeClr val="dk1"/>
+          </a:fontRef>
+        </p:style>
+        <p:txBody>
+          <a:bodyPr rtlCol="0" anchor="ctr"/>
+          <a:lstStyle/>
+          <a:p>
+            <a:pPr algn="ctr"/>
+            <a:r>
+              <a:rPr lang="de-DE" dirty="0"/>
+              <a:t>Formatierter Datensatz</a:t>
+            </a:r>
+          </a:p>
+        </p:txBody>
+      </p:sp>
+      <p:sp>
+        <p:nvSpPr>
+          <p:cNvPr id="6" name="Raute 5">
+            <a:extLst>
+              <a:ext uri="{FF2B5EF4-FFF2-40B4-BE49-F238E27FC236}">
+                <a16:creationId xmlns:a16="http://schemas.microsoft.com/office/drawing/2014/main" id="{78E38DE4-E5B1-4A05-8A1A-1FFB066F848E}"/>
+              </a:ext>
+            </a:extLst>
+          </p:cNvPr>
+          <p:cNvSpPr/>
+          <p:nvPr/>
+        </p:nvSpPr>
+        <p:spPr>
+          <a:xfrm>
+            <a:off x="8422545" y="2701665"/>
+            <a:ext cx="1828802" cy="1764758"/>
+          </a:xfrm>
+          <a:prstGeom prst="diamond">
+            <a:avLst/>
+          </a:prstGeom>
+        </p:spPr>
+        <p:style>
+          <a:lnRef idx="1">
+            <a:schemeClr val="accent2"/>
+          </a:lnRef>
+          <a:fillRef idx="2">
+            <a:schemeClr val="accent2"/>
+          </a:fillRef>
+          <a:effectRef idx="1">
+            <a:schemeClr val="accent2"/>
+          </a:effectRef>
+          <a:fontRef idx="minor">
+            <a:schemeClr val="dk1"/>
+          </a:fontRef>
+        </p:style>
+        <p:txBody>
+          <a:bodyPr rtlCol="0" anchor="ctr"/>
+          <a:lstStyle/>
+          <a:p>
+            <a:pPr algn="ctr"/>
+            <a:r>
+              <a:rPr lang="de-DE" sz="1200" dirty="0"/>
+              <a:t>Überprüfen der Bildanzahl pro Klasse</a:t>
+            </a:r>
+          </a:p>
+        </p:txBody>
+      </p:sp>
+      <p:sp>
+        <p:nvSpPr>
+          <p:cNvPr id="7" name="Pfeil: nach rechts 6">
+            <a:extLst>
+              <a:ext uri="{FF2B5EF4-FFF2-40B4-BE49-F238E27FC236}">
+                <a16:creationId xmlns:a16="http://schemas.microsoft.com/office/drawing/2014/main" id="{E6E9255F-B964-40B4-996D-13E43FC1F7A8}"/>
+              </a:ext>
+            </a:extLst>
+          </p:cNvPr>
+          <p:cNvSpPr/>
+          <p:nvPr/>
+        </p:nvSpPr>
+        <p:spPr>
+          <a:xfrm rot="5400000">
+            <a:off x="9022204" y="2187404"/>
+            <a:ext cx="629480" cy="399045"/>
+          </a:xfrm>
+          <a:prstGeom prst="rightArrow">
+            <a:avLst/>
+          </a:prstGeom>
+        </p:spPr>
+        <p:style>
+          <a:lnRef idx="1">
+            <a:schemeClr val="accent1"/>
+          </a:lnRef>
+          <a:fillRef idx="2">
+            <a:schemeClr val="accent1"/>
+          </a:fillRef>
+          <a:effectRef idx="1">
+            <a:schemeClr val="accent1"/>
+          </a:effectRef>
+          <a:fontRef idx="minor">
+            <a:schemeClr val="dk1"/>
+          </a:fontRef>
+        </p:style>
+        <p:txBody>
+          <a:bodyPr rtlCol="0" anchor="ctr"/>
+          <a:lstStyle/>
+          <a:p>
+            <a:pPr algn="ctr"/>
+            <a:endParaRPr lang="de-DE"/>
+          </a:p>
+        </p:txBody>
+      </p:sp>
+      <p:sp>
+        <p:nvSpPr>
+          <p:cNvPr id="10" name="Rechteck 9">
+            <a:extLst>
+              <a:ext uri="{FF2B5EF4-FFF2-40B4-BE49-F238E27FC236}">
+                <a16:creationId xmlns:a16="http://schemas.microsoft.com/office/drawing/2014/main" id="{4329C2F8-A838-44A1-8EAF-94F9BFD57F91}"/>
+              </a:ext>
+            </a:extLst>
+          </p:cNvPr>
+          <p:cNvSpPr/>
+          <p:nvPr/>
+        </p:nvSpPr>
+        <p:spPr>
+          <a:xfrm>
+            <a:off x="8154094" y="5739984"/>
+            <a:ext cx="2365699" cy="873958"/>
+          </a:xfrm>
+          <a:prstGeom prst="rect">
+            <a:avLst/>
+          </a:prstGeom>
+        </p:spPr>
+        <p:style>
+          <a:lnRef idx="1">
+            <a:schemeClr val="dk1"/>
+          </a:lnRef>
+          <a:fillRef idx="2">
+            <a:schemeClr val="dk1"/>
+          </a:fillRef>
+          <a:effectRef idx="1">
+            <a:schemeClr val="dk1"/>
+          </a:effectRef>
+          <a:fontRef idx="minor">
+            <a:schemeClr val="dk1"/>
+          </a:fontRef>
+        </p:style>
+        <p:txBody>
+          <a:bodyPr rtlCol="0" anchor="ctr"/>
+          <a:lstStyle/>
+          <a:p>
+            <a:pPr algn="ctr"/>
+            <a:r>
+              <a:rPr lang="de-DE" dirty="0"/>
+              <a:t>Augmentierter Datensatz</a:t>
+            </a:r>
+          </a:p>
+        </p:txBody>
+      </p:sp>
+      <p:sp>
+        <p:nvSpPr>
+          <p:cNvPr id="11" name="Ellipse 10">
+            <a:extLst>
+              <a:ext uri="{FF2B5EF4-FFF2-40B4-BE49-F238E27FC236}">
+                <a16:creationId xmlns:a16="http://schemas.microsoft.com/office/drawing/2014/main" id="{3C48F0CA-A78D-4091-8998-CA47E01DC367}"/>
+              </a:ext>
+            </a:extLst>
+          </p:cNvPr>
+          <p:cNvSpPr/>
+          <p:nvPr/>
+        </p:nvSpPr>
+        <p:spPr>
+          <a:xfrm>
+            <a:off x="10251345" y="4276811"/>
+            <a:ext cx="1644245" cy="873958"/>
+          </a:xfrm>
+          <a:prstGeom prst="ellipse">
+            <a:avLst/>
+          </a:prstGeom>
+        </p:spPr>
+        <p:style>
+          <a:lnRef idx="1">
+            <a:schemeClr val="accent2"/>
+          </a:lnRef>
+          <a:fillRef idx="2">
+            <a:schemeClr val="accent2"/>
+          </a:fillRef>
+          <a:effectRef idx="1">
+            <a:schemeClr val="accent2"/>
+          </a:effectRef>
+          <a:fontRef idx="minor">
+            <a:schemeClr val="dk1"/>
+          </a:fontRef>
+        </p:style>
+        <p:txBody>
+          <a:bodyPr rtlCol="0" anchor="ctr"/>
+          <a:lstStyle/>
+          <a:p>
+            <a:pPr algn="ctr"/>
+            <a:r>
+              <a:rPr lang="de-DE" sz="1200" dirty="0" err="1"/>
+              <a:t>Upscaling</a:t>
+            </a:r>
+            <a:r>
+              <a:rPr lang="de-DE" sz="1200" dirty="0"/>
+              <a:t> durch Augmentation</a:t>
+            </a:r>
+          </a:p>
+        </p:txBody>
+      </p:sp>
+      <p:sp>
+        <p:nvSpPr>
+          <p:cNvPr id="12" name="Ellipse 11">
+            <a:extLst>
+              <a:ext uri="{FF2B5EF4-FFF2-40B4-BE49-F238E27FC236}">
+                <a16:creationId xmlns:a16="http://schemas.microsoft.com/office/drawing/2014/main" id="{8E2A4759-1701-415C-BCA4-D762A291D46B}"/>
+              </a:ext>
+            </a:extLst>
+          </p:cNvPr>
+          <p:cNvSpPr/>
+          <p:nvPr/>
+        </p:nvSpPr>
+        <p:spPr>
+          <a:xfrm>
+            <a:off x="6711186" y="4276811"/>
+            <a:ext cx="1644246" cy="873958"/>
+          </a:xfrm>
+          <a:prstGeom prst="ellipse">
+            <a:avLst/>
+          </a:prstGeom>
+        </p:spPr>
+        <p:style>
+          <a:lnRef idx="1">
+            <a:schemeClr val="accent2"/>
+          </a:lnRef>
+          <a:fillRef idx="2">
+            <a:schemeClr val="accent2"/>
+          </a:fillRef>
+          <a:effectRef idx="1">
+            <a:schemeClr val="accent2"/>
+          </a:effectRef>
+          <a:fontRef idx="minor">
+            <a:schemeClr val="dk1"/>
+          </a:fontRef>
+        </p:style>
+        <p:txBody>
+          <a:bodyPr rtlCol="0" anchor="ctr"/>
+          <a:lstStyle/>
+          <a:p>
+            <a:pPr algn="ctr"/>
+            <a:r>
+              <a:rPr lang="de-DE" sz="1200" dirty="0" err="1"/>
+              <a:t>Downscaling</a:t>
+            </a:r>
+            <a:r>
+              <a:rPr lang="de-DE" sz="1200" dirty="0"/>
+              <a:t> durch Zufallsauswahl</a:t>
+            </a:r>
+          </a:p>
+        </p:txBody>
+      </p:sp>
+      <p:cxnSp>
+        <p:nvCxnSpPr>
+          <p:cNvPr id="14" name="Verbinder: gewinkelt 13">
+            <a:extLst>
+              <a:ext uri="{FF2B5EF4-FFF2-40B4-BE49-F238E27FC236}">
+                <a16:creationId xmlns:a16="http://schemas.microsoft.com/office/drawing/2014/main" id="{FB25862E-C892-48FB-AABE-BEF9ACFF0681}"/>
+              </a:ext>
+            </a:extLst>
+          </p:cNvPr>
+          <p:cNvCxnSpPr>
+            <a:stCxn id="6" idx="1"/>
+            <a:endCxn id="12" idx="0"/>
+          </p:cNvCxnSpPr>
+          <p:nvPr/>
+        </p:nvCxnSpPr>
+        <p:spPr>
+          <a:xfrm rot="10800000" flipV="1">
+            <a:off x="7533309" y="3584043"/>
+            <a:ext cx="889236" cy="692767"/>
+          </a:xfrm>
+          <a:prstGeom prst="bentConnector2">
+            <a:avLst/>
+          </a:prstGeom>
+          <a:ln w="28575">
+            <a:tailEnd type="triangle"/>
+          </a:ln>
+        </p:spPr>
+        <p:style>
+          <a:lnRef idx="1">
+            <a:schemeClr val="dk1"/>
+          </a:lnRef>
+          <a:fillRef idx="0">
+            <a:schemeClr val="dk1"/>
+          </a:fillRef>
+          <a:effectRef idx="0">
+            <a:schemeClr val="dk1"/>
+          </a:effectRef>
+          <a:fontRef idx="minor">
+            <a:schemeClr val="tx1"/>
+          </a:fontRef>
+        </p:style>
+      </p:cxnSp>
+      <p:cxnSp>
+        <p:nvCxnSpPr>
+          <p:cNvPr id="16" name="Verbinder: gewinkelt 15">
+            <a:extLst>
+              <a:ext uri="{FF2B5EF4-FFF2-40B4-BE49-F238E27FC236}">
+                <a16:creationId xmlns:a16="http://schemas.microsoft.com/office/drawing/2014/main" id="{E26026D6-BAD1-409E-9497-A36C6FA2ABED}"/>
+              </a:ext>
+            </a:extLst>
+          </p:cNvPr>
+          <p:cNvCxnSpPr>
+            <a:stCxn id="6" idx="3"/>
+            <a:endCxn id="11" idx="0"/>
+          </p:cNvCxnSpPr>
+          <p:nvPr/>
+        </p:nvCxnSpPr>
+        <p:spPr>
+          <a:xfrm>
+            <a:off x="10251347" y="3584044"/>
+            <a:ext cx="822121" cy="692767"/>
+          </a:xfrm>
+          <a:prstGeom prst="bentConnector2">
+            <a:avLst/>
+          </a:prstGeom>
+          <a:ln w="28575">
+            <a:tailEnd type="triangle"/>
+          </a:ln>
+        </p:spPr>
+        <p:style>
+          <a:lnRef idx="1">
+            <a:schemeClr val="dk1"/>
+          </a:lnRef>
+          <a:fillRef idx="0">
+            <a:schemeClr val="dk1"/>
+          </a:fillRef>
+          <a:effectRef idx="0">
+            <a:schemeClr val="dk1"/>
+          </a:effectRef>
+          <a:fontRef idx="minor">
+            <a:schemeClr val="tx1"/>
+          </a:fontRef>
+        </p:style>
+      </p:cxnSp>
+      <p:cxnSp>
+        <p:nvCxnSpPr>
+          <p:cNvPr id="17" name="Verbinder: gewinkelt 16">
+            <a:extLst>
+              <a:ext uri="{FF2B5EF4-FFF2-40B4-BE49-F238E27FC236}">
+                <a16:creationId xmlns:a16="http://schemas.microsoft.com/office/drawing/2014/main" id="{47C5B59B-F523-4E86-9D47-EFE6E7002590}"/>
+              </a:ext>
+            </a:extLst>
+          </p:cNvPr>
+          <p:cNvCxnSpPr>
+            <a:cxnSpLocks/>
+            <a:stCxn id="11" idx="4"/>
+            <a:endCxn id="10" idx="3"/>
+          </p:cNvCxnSpPr>
+          <p:nvPr/>
+        </p:nvCxnSpPr>
+        <p:spPr>
+          <a:xfrm rot="5400000">
+            <a:off x="10283534" y="5387029"/>
+            <a:ext cx="1026194" cy="553675"/>
+          </a:xfrm>
+          <a:prstGeom prst="bentConnector2">
+            <a:avLst/>
+          </a:prstGeom>
+          <a:ln w="28575">
+            <a:tailEnd type="triangle"/>
+          </a:ln>
+        </p:spPr>
+        <p:style>
+          <a:lnRef idx="1">
+            <a:schemeClr val="dk1"/>
+          </a:lnRef>
+          <a:fillRef idx="0">
+            <a:schemeClr val="dk1"/>
+          </a:fillRef>
+          <a:effectRef idx="0">
+            <a:schemeClr val="dk1"/>
+          </a:effectRef>
+          <a:fontRef idx="minor">
+            <a:schemeClr val="tx1"/>
+          </a:fontRef>
+        </p:style>
+      </p:cxnSp>
+      <p:cxnSp>
+        <p:nvCxnSpPr>
+          <p:cNvPr id="20" name="Verbinder: gewinkelt 19">
+            <a:extLst>
+              <a:ext uri="{FF2B5EF4-FFF2-40B4-BE49-F238E27FC236}">
+                <a16:creationId xmlns:a16="http://schemas.microsoft.com/office/drawing/2014/main" id="{3BE25897-F26B-4742-80CC-D5628ACFD349}"/>
+              </a:ext>
+            </a:extLst>
+          </p:cNvPr>
+          <p:cNvCxnSpPr>
+            <a:cxnSpLocks/>
+            <a:stCxn id="12" idx="4"/>
+            <a:endCxn id="10" idx="1"/>
+          </p:cNvCxnSpPr>
+          <p:nvPr/>
+        </p:nvCxnSpPr>
+        <p:spPr>
+          <a:xfrm rot="16200000" flipH="1">
+            <a:off x="7330604" y="5353473"/>
+            <a:ext cx="1026194" cy="620785"/>
+          </a:xfrm>
+          <a:prstGeom prst="bentConnector2">
+            <a:avLst/>
+          </a:prstGeom>
+          <a:ln w="28575">
+            <a:tailEnd type="triangle"/>
+          </a:ln>
+        </p:spPr>
+        <p:style>
+          <a:lnRef idx="1">
+            <a:schemeClr val="dk1"/>
+          </a:lnRef>
+          <a:fillRef idx="0">
+            <a:schemeClr val="dk1"/>
+          </a:fillRef>
+          <a:effectRef idx="0">
+            <a:schemeClr val="dk1"/>
+          </a:effectRef>
+          <a:fontRef idx="minor">
+            <a:schemeClr val="tx1"/>
+          </a:fontRef>
+        </p:style>
+      </p:cxnSp>
+      <p:sp>
+        <p:nvSpPr>
+          <p:cNvPr id="23" name="Textfeld 22">
+            <a:extLst>
+              <a:ext uri="{FF2B5EF4-FFF2-40B4-BE49-F238E27FC236}">
+                <a16:creationId xmlns:a16="http://schemas.microsoft.com/office/drawing/2014/main" id="{271346B5-6B27-49B7-8DF6-096F2F75DF0D}"/>
+              </a:ext>
+            </a:extLst>
+          </p:cNvPr>
+          <p:cNvSpPr txBox="1"/>
+          <p:nvPr/>
+        </p:nvSpPr>
+        <p:spPr>
+          <a:xfrm>
+            <a:off x="7466202" y="3163597"/>
+            <a:ext cx="1174459" cy="461665"/>
+          </a:xfrm>
+          <a:prstGeom prst="rect">
+            <a:avLst/>
+          </a:prstGeom>
+          <a:noFill/>
+        </p:spPr>
+        <p:txBody>
+          <a:bodyPr wrap="square" rtlCol="0">
+            <a:spAutoFit/>
+          </a:bodyPr>
+          <a:lstStyle/>
+          <a:p>
+            <a:r>
+              <a:rPr lang="de-DE" sz="1200" i="1" dirty="0"/>
+              <a:t>Klasse enthält genug Bilder</a:t>
+            </a:r>
+          </a:p>
+        </p:txBody>
+      </p:sp>
+      <p:sp>
+        <p:nvSpPr>
+          <p:cNvPr id="24" name="Textfeld 23">
+            <a:extLst>
+              <a:ext uri="{FF2B5EF4-FFF2-40B4-BE49-F238E27FC236}">
+                <a16:creationId xmlns:a16="http://schemas.microsoft.com/office/drawing/2014/main" id="{A9F55ADA-CC7D-40B2-AA68-1DE01BAF3780}"/>
+              </a:ext>
+            </a:extLst>
+          </p:cNvPr>
+          <p:cNvSpPr txBox="1"/>
+          <p:nvPr/>
+        </p:nvSpPr>
+        <p:spPr>
+          <a:xfrm>
+            <a:off x="10209401" y="2978931"/>
+            <a:ext cx="1174459" cy="646331"/>
+          </a:xfrm>
+          <a:prstGeom prst="rect">
+            <a:avLst/>
+          </a:prstGeom>
+          <a:noFill/>
+        </p:spPr>
+        <p:txBody>
+          <a:bodyPr wrap="square" rtlCol="0">
+            <a:spAutoFit/>
+          </a:bodyPr>
+          <a:lstStyle/>
+          <a:p>
+            <a:r>
+              <a:rPr lang="de-DE" sz="1200" i="1" dirty="0"/>
+              <a:t>Klasse enthält nicht genug Bilder</a:t>
+            </a:r>
+          </a:p>
+        </p:txBody>
+      </p:sp>
+      <p:sp>
+        <p:nvSpPr>
+          <p:cNvPr id="25" name="Rechteck 24">
+            <a:extLst>
+              <a:ext uri="{FF2B5EF4-FFF2-40B4-BE49-F238E27FC236}">
+                <a16:creationId xmlns:a16="http://schemas.microsoft.com/office/drawing/2014/main" id="{0345F52C-AA8D-4776-AE97-D70751BFA663}"/>
+              </a:ext>
+            </a:extLst>
+          </p:cNvPr>
+          <p:cNvSpPr/>
+          <p:nvPr/>
+        </p:nvSpPr>
+        <p:spPr>
+          <a:xfrm>
+            <a:off x="8895883" y="4747516"/>
+            <a:ext cx="882120" cy="453005"/>
+          </a:xfrm>
+          <a:prstGeom prst="rect">
+            <a:avLst/>
+          </a:prstGeom>
+        </p:spPr>
+        <p:style>
+          <a:lnRef idx="1">
+            <a:schemeClr val="accent6"/>
+          </a:lnRef>
+          <a:fillRef idx="2">
+            <a:schemeClr val="accent6"/>
+          </a:fillRef>
+          <a:effectRef idx="1">
+            <a:schemeClr val="accent6"/>
+          </a:effectRef>
+          <a:fontRef idx="minor">
+            <a:schemeClr val="dk1"/>
+          </a:fontRef>
+        </p:style>
+        <p:txBody>
+          <a:bodyPr rtlCol="0" anchor="ctr"/>
+          <a:lstStyle/>
+          <a:p>
+            <a:pPr algn="ctr"/>
+            <a:r>
+              <a:rPr lang="de-DE" sz="1000" dirty="0"/>
+              <a:t>Gewünschte Bildanzahl n</a:t>
+            </a:r>
+          </a:p>
+        </p:txBody>
+      </p:sp>
+      <p:cxnSp>
+        <p:nvCxnSpPr>
+          <p:cNvPr id="27" name="Gerade Verbindung mit Pfeil 26">
+            <a:extLst>
+              <a:ext uri="{FF2B5EF4-FFF2-40B4-BE49-F238E27FC236}">
+                <a16:creationId xmlns:a16="http://schemas.microsoft.com/office/drawing/2014/main" id="{85EDB4FD-7B28-4D3E-98A9-06F52BEFA6DE}"/>
+              </a:ext>
+            </a:extLst>
+          </p:cNvPr>
+          <p:cNvCxnSpPr>
+            <a:stCxn id="25" idx="0"/>
+            <a:endCxn id="6" idx="2"/>
+          </p:cNvCxnSpPr>
+          <p:nvPr/>
+        </p:nvCxnSpPr>
+        <p:spPr>
+          <a:xfrm flipV="1">
+            <a:off x="9336943" y="4466423"/>
+            <a:ext cx="3" cy="281093"/>
+          </a:xfrm>
+          <a:prstGeom prst="straightConnector1">
+            <a:avLst/>
+          </a:prstGeom>
+          <a:ln w="28575">
+            <a:tailEnd type="triangle"/>
+          </a:ln>
+        </p:spPr>
+        <p:style>
+          <a:lnRef idx="1">
+            <a:schemeClr val="accent6"/>
+          </a:lnRef>
+          <a:fillRef idx="0">
+            <a:schemeClr val="accent6"/>
+          </a:fillRef>
+          <a:effectRef idx="0">
+            <a:schemeClr val="accent6"/>
+          </a:effectRef>
+          <a:fontRef idx="minor">
+            <a:schemeClr val="tx1"/>
+          </a:fontRef>
+        </p:style>
+      </p:cxnSp>
     </p:spTree>
     <p:extLst>
       <p:ext uri="{BB962C8B-B14F-4D97-AF65-F5344CB8AC3E}">
@@ -3713,12 +4584,571 @@
             <p:ph idx="1"/>
           </p:nvPr>
         </p:nvSpPr>
-        <p:spPr/>
-        <p:txBody>
-          <a:bodyPr/>
-          <a:lstStyle/>
-          <a:p>
-            <a:endParaRPr lang="de-DE"/>
+        <p:spPr>
+          <a:xfrm>
+            <a:off x="838200" y="1825625"/>
+            <a:ext cx="5257800" cy="4351338"/>
+          </a:xfrm>
+        </p:spPr>
+        <p:txBody>
+          <a:bodyPr/>
+          <a:lstStyle/>
+          <a:p>
+            <a:endParaRPr lang="de-DE" dirty="0"/>
+          </a:p>
+        </p:txBody>
+      </p:sp>
+      <p:sp>
+        <p:nvSpPr>
+          <p:cNvPr id="4" name="Rechteck 3">
+            <a:extLst>
+              <a:ext uri="{FF2B5EF4-FFF2-40B4-BE49-F238E27FC236}">
+                <a16:creationId xmlns:a16="http://schemas.microsoft.com/office/drawing/2014/main" id="{AAA98BF9-EB05-4439-AECD-6B168343FDDD}"/>
+              </a:ext>
+            </a:extLst>
+          </p:cNvPr>
+          <p:cNvSpPr/>
+          <p:nvPr/>
+        </p:nvSpPr>
+        <p:spPr>
+          <a:xfrm>
+            <a:off x="7642371" y="3691157"/>
+            <a:ext cx="2835479" cy="2600586"/>
+          </a:xfrm>
+          <a:prstGeom prst="rect">
+            <a:avLst/>
+          </a:prstGeom>
+          <a:ln w="28575"/>
+          <a:scene3d>
+            <a:camera prst="isometricOffAxis2Top"/>
+            <a:lightRig rig="threePt" dir="t"/>
+          </a:scene3d>
+        </p:spPr>
+        <p:style>
+          <a:lnRef idx="2">
+            <a:schemeClr val="dk1"/>
+          </a:lnRef>
+          <a:fillRef idx="1">
+            <a:schemeClr val="lt1"/>
+          </a:fillRef>
+          <a:effectRef idx="0">
+            <a:schemeClr val="dk1"/>
+          </a:effectRef>
+          <a:fontRef idx="minor">
+            <a:schemeClr val="dk1"/>
+          </a:fontRef>
+        </p:style>
+        <p:txBody>
+          <a:bodyPr rtlCol="0" anchor="ctr"/>
+          <a:lstStyle/>
+          <a:p>
+            <a:pPr algn="ctr"/>
+            <a:r>
+              <a:rPr lang="de-DE" dirty="0"/>
+              <a:t>28x28x4 </a:t>
+            </a:r>
+          </a:p>
+          <a:p>
+            <a:pPr algn="ctr"/>
+            <a:r>
+              <a:rPr lang="de-DE" dirty="0" err="1"/>
+              <a:t>ndarray</a:t>
+            </a:r>
+            <a:endParaRPr lang="de-DE" dirty="0"/>
+          </a:p>
+          <a:p>
+            <a:pPr algn="ctr"/>
+            <a:r>
+              <a:rPr lang="de-DE" dirty="0"/>
+              <a:t>(</a:t>
+            </a:r>
+            <a:r>
+              <a:rPr lang="de-DE" dirty="0" err="1"/>
+              <a:t>stack</a:t>
+            </a:r>
+            <a:r>
+              <a:rPr lang="de-DE" dirty="0"/>
+              <a:t>)</a:t>
+            </a:r>
+          </a:p>
+        </p:txBody>
+      </p:sp>
+      <p:sp>
+        <p:nvSpPr>
+          <p:cNvPr id="5" name="Rechteck 4">
+            <a:extLst>
+              <a:ext uri="{FF2B5EF4-FFF2-40B4-BE49-F238E27FC236}">
+                <a16:creationId xmlns:a16="http://schemas.microsoft.com/office/drawing/2014/main" id="{0844EA9B-D6D6-490C-84AD-5AAA0FF7BFAD}"/>
+              </a:ext>
+            </a:extLst>
+          </p:cNvPr>
+          <p:cNvSpPr/>
+          <p:nvPr/>
+        </p:nvSpPr>
+        <p:spPr>
+          <a:xfrm>
+            <a:off x="7642371" y="2348664"/>
+            <a:ext cx="2835479" cy="2600586"/>
+          </a:xfrm>
+          <a:prstGeom prst="rect">
+            <a:avLst/>
+          </a:prstGeom>
+          <a:ln w="28575"/>
+          <a:scene3d>
+            <a:camera prst="isometricOffAxis2Top"/>
+            <a:lightRig rig="threePt" dir="t"/>
+          </a:scene3d>
+        </p:spPr>
+        <p:style>
+          <a:lnRef idx="2">
+            <a:schemeClr val="dk1"/>
+          </a:lnRef>
+          <a:fillRef idx="1">
+            <a:schemeClr val="lt1"/>
+          </a:fillRef>
+          <a:effectRef idx="0">
+            <a:schemeClr val="dk1"/>
+          </a:effectRef>
+          <a:fontRef idx="minor">
+            <a:schemeClr val="dk1"/>
+          </a:fontRef>
+        </p:style>
+        <p:txBody>
+          <a:bodyPr rtlCol="0" anchor="ctr"/>
+          <a:lstStyle/>
+          <a:p>
+            <a:pPr algn="ctr"/>
+            <a:r>
+              <a:rPr lang="de-DE" dirty="0" err="1"/>
+              <a:t>new</a:t>
+            </a:r>
+            <a:r>
+              <a:rPr lang="de-DE" dirty="0"/>
+              <a:t> </a:t>
+            </a:r>
+            <a:r>
+              <a:rPr lang="de-DE" dirty="0" err="1"/>
+              <a:t>image</a:t>
+            </a:r>
+            <a:endParaRPr lang="de-DE" dirty="0"/>
+          </a:p>
+          <a:p>
+            <a:pPr algn="ctr"/>
+            <a:r>
+              <a:rPr lang="de-DE" dirty="0"/>
+              <a:t>28x28x4</a:t>
+            </a:r>
+          </a:p>
+        </p:txBody>
+      </p:sp>
+      <p:sp>
+        <p:nvSpPr>
+          <p:cNvPr id="6" name="Rechteck 5">
+            <a:extLst>
+              <a:ext uri="{FF2B5EF4-FFF2-40B4-BE49-F238E27FC236}">
+                <a16:creationId xmlns:a16="http://schemas.microsoft.com/office/drawing/2014/main" id="{98297640-824A-45CB-8644-1D2B5CA88C74}"/>
+              </a:ext>
+            </a:extLst>
+          </p:cNvPr>
+          <p:cNvSpPr/>
+          <p:nvPr/>
+        </p:nvSpPr>
+        <p:spPr>
+          <a:xfrm>
+            <a:off x="7642371" y="2048059"/>
+            <a:ext cx="2835479" cy="2600586"/>
+          </a:xfrm>
+          <a:prstGeom prst="rect">
+            <a:avLst/>
+          </a:prstGeom>
+          <a:ln w="28575"/>
+          <a:scene3d>
+            <a:camera prst="isometricOffAxis2Top"/>
+            <a:lightRig rig="threePt" dir="t"/>
+          </a:scene3d>
+        </p:spPr>
+        <p:style>
+          <a:lnRef idx="2">
+            <a:schemeClr val="dk1"/>
+          </a:lnRef>
+          <a:fillRef idx="1">
+            <a:schemeClr val="lt1"/>
+          </a:fillRef>
+          <a:effectRef idx="0">
+            <a:schemeClr val="dk1"/>
+          </a:effectRef>
+          <a:fontRef idx="minor">
+            <a:schemeClr val="dk1"/>
+          </a:fontRef>
+        </p:style>
+        <p:txBody>
+          <a:bodyPr rtlCol="0" anchor="ctr"/>
+          <a:lstStyle/>
+          <a:p>
+            <a:pPr algn="ctr"/>
+            <a:r>
+              <a:rPr lang="de-DE" dirty="0" err="1"/>
+              <a:t>new</a:t>
+            </a:r>
+            <a:r>
+              <a:rPr lang="de-DE" dirty="0"/>
+              <a:t> </a:t>
+            </a:r>
+            <a:r>
+              <a:rPr lang="de-DE" dirty="0" err="1"/>
+              <a:t>image</a:t>
+            </a:r>
+            <a:endParaRPr lang="de-DE" dirty="0"/>
+          </a:p>
+          <a:p>
+            <a:pPr algn="ctr"/>
+            <a:r>
+              <a:rPr lang="de-DE" dirty="0"/>
+              <a:t>28x28x4</a:t>
+            </a:r>
+          </a:p>
+        </p:txBody>
+      </p:sp>
+      <p:sp>
+        <p:nvSpPr>
+          <p:cNvPr id="9" name="Rechteck 8">
+            <a:extLst>
+              <a:ext uri="{FF2B5EF4-FFF2-40B4-BE49-F238E27FC236}">
+                <a16:creationId xmlns:a16="http://schemas.microsoft.com/office/drawing/2014/main" id="{50E5D459-9780-41F0-B5F0-3BF7B44E3796}"/>
+              </a:ext>
+            </a:extLst>
+          </p:cNvPr>
+          <p:cNvSpPr/>
+          <p:nvPr/>
+        </p:nvSpPr>
+        <p:spPr>
+          <a:xfrm>
+            <a:off x="7642371" y="1690688"/>
+            <a:ext cx="2835479" cy="2600586"/>
+          </a:xfrm>
+          <a:prstGeom prst="rect">
+            <a:avLst/>
+          </a:prstGeom>
+          <a:ln w="28575"/>
+          <a:scene3d>
+            <a:camera prst="isometricOffAxis2Top"/>
+            <a:lightRig rig="threePt" dir="t"/>
+          </a:scene3d>
+        </p:spPr>
+        <p:style>
+          <a:lnRef idx="2">
+            <a:schemeClr val="dk1"/>
+          </a:lnRef>
+          <a:fillRef idx="1">
+            <a:schemeClr val="lt1"/>
+          </a:fillRef>
+          <a:effectRef idx="0">
+            <a:schemeClr val="dk1"/>
+          </a:effectRef>
+          <a:fontRef idx="minor">
+            <a:schemeClr val="dk1"/>
+          </a:fontRef>
+        </p:style>
+        <p:txBody>
+          <a:bodyPr rtlCol="0" anchor="ctr"/>
+          <a:lstStyle/>
+          <a:p>
+            <a:pPr algn="ctr"/>
+            <a:r>
+              <a:rPr lang="de-DE" dirty="0" err="1"/>
+              <a:t>new</a:t>
+            </a:r>
+            <a:r>
+              <a:rPr lang="de-DE" dirty="0"/>
+              <a:t> </a:t>
+            </a:r>
+            <a:r>
+              <a:rPr lang="de-DE" dirty="0" err="1"/>
+              <a:t>image</a:t>
+            </a:r>
+            <a:endParaRPr lang="de-DE" dirty="0"/>
+          </a:p>
+          <a:p>
+            <a:pPr algn="ctr"/>
+            <a:r>
+              <a:rPr lang="de-DE" dirty="0"/>
+              <a:t>28x28x4</a:t>
+            </a:r>
+          </a:p>
+        </p:txBody>
+      </p:sp>
+      <p:sp>
+        <p:nvSpPr>
+          <p:cNvPr id="10" name="Rechteck 9">
+            <a:extLst>
+              <a:ext uri="{FF2B5EF4-FFF2-40B4-BE49-F238E27FC236}">
+                <a16:creationId xmlns:a16="http://schemas.microsoft.com/office/drawing/2014/main" id="{CA525006-4C41-4A0E-9D3F-982B7AA52829}"/>
+              </a:ext>
+            </a:extLst>
+          </p:cNvPr>
+          <p:cNvSpPr/>
+          <p:nvPr/>
+        </p:nvSpPr>
+        <p:spPr>
+          <a:xfrm>
+            <a:off x="7642370" y="1217549"/>
+            <a:ext cx="2835479" cy="2600586"/>
+          </a:xfrm>
+          <a:prstGeom prst="rect">
+            <a:avLst/>
+          </a:prstGeom>
+          <a:ln w="28575"/>
+          <a:scene3d>
+            <a:camera prst="isometricOffAxis2Top"/>
+            <a:lightRig rig="threePt" dir="t"/>
+          </a:scene3d>
+        </p:spPr>
+        <p:style>
+          <a:lnRef idx="2">
+            <a:schemeClr val="dk1"/>
+          </a:lnRef>
+          <a:fillRef idx="1">
+            <a:schemeClr val="lt1"/>
+          </a:fillRef>
+          <a:effectRef idx="0">
+            <a:schemeClr val="dk1"/>
+          </a:effectRef>
+          <a:fontRef idx="minor">
+            <a:schemeClr val="dk1"/>
+          </a:fontRef>
+        </p:style>
+        <p:txBody>
+          <a:bodyPr rtlCol="0" anchor="ctr"/>
+          <a:lstStyle/>
+          <a:p>
+            <a:pPr algn="ctr"/>
+            <a:r>
+              <a:rPr lang="de-DE" dirty="0" err="1"/>
+              <a:t>new</a:t>
+            </a:r>
+            <a:r>
+              <a:rPr lang="de-DE" dirty="0"/>
+              <a:t> </a:t>
+            </a:r>
+            <a:r>
+              <a:rPr lang="de-DE" dirty="0" err="1"/>
+              <a:t>image</a:t>
+            </a:r>
+            <a:endParaRPr lang="de-DE" dirty="0"/>
+          </a:p>
+          <a:p>
+            <a:pPr algn="ctr"/>
+            <a:r>
+              <a:rPr lang="de-DE" dirty="0"/>
+              <a:t>28x28x4</a:t>
+            </a:r>
+          </a:p>
+        </p:txBody>
+      </p:sp>
+      <p:sp>
+        <p:nvSpPr>
+          <p:cNvPr id="12" name="Rechteck 11">
+            <a:extLst>
+              <a:ext uri="{FF2B5EF4-FFF2-40B4-BE49-F238E27FC236}">
+                <a16:creationId xmlns:a16="http://schemas.microsoft.com/office/drawing/2014/main" id="{B4CE1660-8D94-47C5-961E-8819A50208AB}"/>
+              </a:ext>
+            </a:extLst>
+          </p:cNvPr>
+          <p:cNvSpPr/>
+          <p:nvPr/>
+        </p:nvSpPr>
+        <p:spPr>
+          <a:xfrm>
+            <a:off x="7877259" y="365125"/>
+            <a:ext cx="2365699" cy="873958"/>
+          </a:xfrm>
+          <a:prstGeom prst="rect">
+            <a:avLst/>
+          </a:prstGeom>
+        </p:spPr>
+        <p:style>
+          <a:lnRef idx="1">
+            <a:schemeClr val="dk1"/>
+          </a:lnRef>
+          <a:fillRef idx="2">
+            <a:schemeClr val="dk1"/>
+          </a:fillRef>
+          <a:effectRef idx="1">
+            <a:schemeClr val="dk1"/>
+          </a:effectRef>
+          <a:fontRef idx="minor">
+            <a:schemeClr val="dk1"/>
+          </a:fontRef>
+        </p:style>
+        <p:txBody>
+          <a:bodyPr rtlCol="0" anchor="ctr"/>
+          <a:lstStyle/>
+          <a:p>
+            <a:pPr algn="ctr"/>
+            <a:r>
+              <a:rPr lang="de-DE" dirty="0"/>
+              <a:t>Augmentierter Datensatz</a:t>
+            </a:r>
+          </a:p>
+        </p:txBody>
+      </p:sp>
+      <p:cxnSp>
+        <p:nvCxnSpPr>
+          <p:cNvPr id="14" name="Gerade Verbindung mit Pfeil 13">
+            <a:extLst>
+              <a:ext uri="{FF2B5EF4-FFF2-40B4-BE49-F238E27FC236}">
+                <a16:creationId xmlns:a16="http://schemas.microsoft.com/office/drawing/2014/main" id="{20A0013F-4335-4960-A8BF-77A5F3B98A1D}"/>
+              </a:ext>
+            </a:extLst>
+          </p:cNvPr>
+          <p:cNvCxnSpPr>
+            <a:cxnSpLocks/>
+          </p:cNvCxnSpPr>
+          <p:nvPr/>
+        </p:nvCxnSpPr>
+        <p:spPr>
+          <a:xfrm>
+            <a:off x="9169167" y="4068406"/>
+            <a:ext cx="0" cy="746875"/>
+          </a:xfrm>
+          <a:prstGeom prst="straightConnector1">
+            <a:avLst/>
+          </a:prstGeom>
+          <a:ln w="28575">
+            <a:tailEnd type="triangle"/>
+          </a:ln>
+          <a:scene3d>
+            <a:camera prst="isometricLeftDown"/>
+            <a:lightRig rig="threePt" dir="t"/>
+          </a:scene3d>
+        </p:spPr>
+        <p:style>
+          <a:lnRef idx="1">
+            <a:schemeClr val="dk1"/>
+          </a:lnRef>
+          <a:fillRef idx="0">
+            <a:schemeClr val="dk1"/>
+          </a:fillRef>
+          <a:effectRef idx="0">
+            <a:schemeClr val="dk1"/>
+          </a:effectRef>
+          <a:fontRef idx="minor">
+            <a:schemeClr val="tx1"/>
+          </a:fontRef>
+        </p:style>
+      </p:cxnSp>
+      <p:sp>
+        <p:nvSpPr>
+          <p:cNvPr id="18" name="Textfeld 17">
+            <a:extLst>
+              <a:ext uri="{FF2B5EF4-FFF2-40B4-BE49-F238E27FC236}">
+                <a16:creationId xmlns:a16="http://schemas.microsoft.com/office/drawing/2014/main" id="{334C3190-260D-4658-B1B4-A2F71F97CCFB}"/>
+              </a:ext>
+            </a:extLst>
+          </p:cNvPr>
+          <p:cNvSpPr txBox="1"/>
+          <p:nvPr/>
+        </p:nvSpPr>
+        <p:spPr>
+          <a:xfrm>
+            <a:off x="9107157" y="4264649"/>
+            <a:ext cx="1205779" cy="246221"/>
+          </a:xfrm>
+          <a:prstGeom prst="rect">
+            <a:avLst/>
+          </a:prstGeom>
+          <a:noFill/>
+        </p:spPr>
+        <p:txBody>
+          <a:bodyPr wrap="none" rtlCol="0">
+            <a:spAutoFit/>
+          </a:bodyPr>
+          <a:lstStyle/>
+          <a:p>
+            <a:r>
+              <a:rPr lang="de-DE" sz="1000" dirty="0" err="1"/>
+              <a:t>Numpy</a:t>
+            </a:r>
+            <a:r>
+              <a:rPr lang="de-DE" sz="1000" dirty="0"/>
+              <a:t> +-operation</a:t>
+            </a:r>
+          </a:p>
+        </p:txBody>
+      </p:sp>
+      <p:cxnSp>
+        <p:nvCxnSpPr>
+          <p:cNvPr id="20" name="Gerade Verbindung mit Pfeil 19">
+            <a:extLst>
+              <a:ext uri="{FF2B5EF4-FFF2-40B4-BE49-F238E27FC236}">
+                <a16:creationId xmlns:a16="http://schemas.microsoft.com/office/drawing/2014/main" id="{EABC5372-B659-4E10-8DAA-0EFAD856AE09}"/>
+              </a:ext>
+            </a:extLst>
+          </p:cNvPr>
+          <p:cNvCxnSpPr>
+            <a:stCxn id="12" idx="2"/>
+          </p:cNvCxnSpPr>
+          <p:nvPr/>
+        </p:nvCxnSpPr>
+        <p:spPr>
+          <a:xfrm flipH="1">
+            <a:off x="9060108" y="1239083"/>
+            <a:ext cx="1" cy="698774"/>
+          </a:xfrm>
+          <a:prstGeom prst="straightConnector1">
+            <a:avLst/>
+          </a:prstGeom>
+          <a:ln w="28575">
+            <a:tailEnd type="triangle"/>
+          </a:ln>
+        </p:spPr>
+        <p:style>
+          <a:lnRef idx="1">
+            <a:schemeClr val="dk1"/>
+          </a:lnRef>
+          <a:fillRef idx="0">
+            <a:schemeClr val="dk1"/>
+          </a:fillRef>
+          <a:effectRef idx="0">
+            <a:schemeClr val="dk1"/>
+          </a:effectRef>
+          <a:fontRef idx="minor">
+            <a:schemeClr val="tx1"/>
+          </a:fontRef>
+        </p:style>
+      </p:cxnSp>
+      <p:sp>
+        <p:nvSpPr>
+          <p:cNvPr id="21" name="Textfeld 20">
+            <a:extLst>
+              <a:ext uri="{FF2B5EF4-FFF2-40B4-BE49-F238E27FC236}">
+                <a16:creationId xmlns:a16="http://schemas.microsoft.com/office/drawing/2014/main" id="{A30045C4-359D-4A04-95F7-AE1118A7DB4E}"/>
+              </a:ext>
+            </a:extLst>
+          </p:cNvPr>
+          <p:cNvSpPr txBox="1"/>
+          <p:nvPr/>
+        </p:nvSpPr>
+        <p:spPr>
+          <a:xfrm>
+            <a:off x="9009045" y="1488994"/>
+            <a:ext cx="2035750" cy="276999"/>
+          </a:xfrm>
+          <a:prstGeom prst="rect">
+            <a:avLst/>
+          </a:prstGeom>
+          <a:noFill/>
+        </p:spPr>
+        <p:txBody>
+          <a:bodyPr wrap="none" rtlCol="0">
+            <a:spAutoFit/>
+          </a:bodyPr>
+          <a:lstStyle/>
+          <a:p>
+            <a:r>
+              <a:rPr lang="de-DE" sz="1200" dirty="0"/>
+              <a:t>Jede Klasse erhält einen Stack</a:t>
+            </a:r>
           </a:p>
         </p:txBody>
       </p:sp>

--- a/project/Präsentation CV-Prak.pptx
+++ b/project/Präsentation CV-Prak.pptx
@@ -4,6 +4,9 @@
   <p:sldMasterIdLst>
     <p:sldMasterId id="2147483648" r:id="rId1"/>
   </p:sldMasterIdLst>
+  <p:notesMasterIdLst>
+    <p:notesMasterId r:id="rId10"/>
+  </p:notesMasterIdLst>
   <p:sldIdLst>
     <p:sldId id="256" r:id="rId2"/>
     <p:sldId id="257" r:id="rId3"/>
@@ -115,8 +118,444 @@
     <p:ext uri="{EFAFB233-063F-42B5-8137-9DF3F51BA10A}">
       <p15:sldGuideLst xmlns:p15="http://schemas.microsoft.com/office/powerpoint/2012/main"/>
     </p:ext>
+    <p:ext uri="{2D200454-40CA-4A62-9FC3-DE9A4176ACB9}">
+      <p15:notesGuideLst xmlns:p15="http://schemas.microsoft.com/office/powerpoint/2012/main"/>
+    </p:ext>
   </p:extLst>
 </p:presentation>
+</file>
+
+<file path=ppt/notesMasters/notesMaster1.xml><?xml version="1.0" encoding="utf-8"?>
+<p:notesMaster xmlns:a="http://schemas.openxmlformats.org/drawingml/2006/main" xmlns:r="http://schemas.openxmlformats.org/officeDocument/2006/relationships" xmlns:p="http://schemas.openxmlformats.org/presentationml/2006/main">
+  <p:cSld>
+    <p:bg>
+      <p:bgRef idx="1001">
+        <a:schemeClr val="bg1"/>
+      </p:bgRef>
+    </p:bg>
+    <p:spTree>
+      <p:nvGrpSpPr>
+        <p:cNvPr id="1" name=""/>
+        <p:cNvGrpSpPr/>
+        <p:nvPr/>
+      </p:nvGrpSpPr>
+      <p:grpSpPr>
+        <a:xfrm>
+          <a:off x="0" y="0"/>
+          <a:ext cx="0" cy="0"/>
+          <a:chOff x="0" y="0"/>
+          <a:chExt cx="0" cy="0"/>
+        </a:xfrm>
+      </p:grpSpPr>
+      <p:sp>
+        <p:nvSpPr>
+          <p:cNvPr id="2" name="Kopfzeilenplatzhalter 1"/>
+          <p:cNvSpPr>
+            <a:spLocks noGrp="1"/>
+          </p:cNvSpPr>
+          <p:nvPr>
+            <p:ph type="hdr" sz="quarter"/>
+          </p:nvPr>
+        </p:nvSpPr>
+        <p:spPr>
+          <a:xfrm>
+            <a:off x="0" y="0"/>
+            <a:ext cx="2971800" cy="458788"/>
+          </a:xfrm>
+          <a:prstGeom prst="rect">
+            <a:avLst/>
+          </a:prstGeom>
+        </p:spPr>
+        <p:txBody>
+          <a:bodyPr vert="horz" lIns="91440" tIns="45720" rIns="91440" bIns="45720" rtlCol="0"/>
+          <a:lstStyle>
+            <a:lvl1pPr algn="l">
+              <a:defRPr sz="1200"/>
+            </a:lvl1pPr>
+          </a:lstStyle>
+          <a:p>
+            <a:endParaRPr lang="de-DE"/>
+          </a:p>
+        </p:txBody>
+      </p:sp>
+      <p:sp>
+        <p:nvSpPr>
+          <p:cNvPr id="3" name="Datumsplatzhalter 2"/>
+          <p:cNvSpPr>
+            <a:spLocks noGrp="1"/>
+          </p:cNvSpPr>
+          <p:nvPr>
+            <p:ph type="dt" idx="1"/>
+          </p:nvPr>
+        </p:nvSpPr>
+        <p:spPr>
+          <a:xfrm>
+            <a:off x="3884613" y="0"/>
+            <a:ext cx="2971800" cy="458788"/>
+          </a:xfrm>
+          <a:prstGeom prst="rect">
+            <a:avLst/>
+          </a:prstGeom>
+        </p:spPr>
+        <p:txBody>
+          <a:bodyPr vert="horz" lIns="91440" tIns="45720" rIns="91440" bIns="45720" rtlCol="0"/>
+          <a:lstStyle>
+            <a:lvl1pPr algn="r">
+              <a:defRPr sz="1200"/>
+            </a:lvl1pPr>
+          </a:lstStyle>
+          <a:p>
+            <a:fld id="{97594BE3-3CDC-4DC8-95E7-951CD3F6E10A}" type="datetimeFigureOut">
+              <a:rPr lang="de-DE" smtClean="0"/>
+              <a:t>08.07.2018</a:t>
+            </a:fld>
+            <a:endParaRPr lang="de-DE"/>
+          </a:p>
+        </p:txBody>
+      </p:sp>
+      <p:sp>
+        <p:nvSpPr>
+          <p:cNvPr id="4" name="Folienbildplatzhalter 3"/>
+          <p:cNvSpPr>
+            <a:spLocks noGrp="1" noRot="1" noChangeAspect="1"/>
+          </p:cNvSpPr>
+          <p:nvPr>
+            <p:ph type="sldImg" idx="2"/>
+          </p:nvPr>
+        </p:nvSpPr>
+        <p:spPr>
+          <a:xfrm>
+            <a:off x="685800" y="1143000"/>
+            <a:ext cx="5486400" cy="3086100"/>
+          </a:xfrm>
+          <a:prstGeom prst="rect">
+            <a:avLst/>
+          </a:prstGeom>
+          <a:noFill/>
+          <a:ln w="12700">
+            <a:solidFill>
+              <a:prstClr val="black"/>
+            </a:solidFill>
+          </a:ln>
+        </p:spPr>
+        <p:txBody>
+          <a:bodyPr vert="horz" lIns="91440" tIns="45720" rIns="91440" bIns="45720" rtlCol="0" anchor="ctr"/>
+          <a:lstStyle/>
+          <a:p>
+            <a:endParaRPr lang="de-DE"/>
+          </a:p>
+        </p:txBody>
+      </p:sp>
+      <p:sp>
+        <p:nvSpPr>
+          <p:cNvPr id="5" name="Notizenplatzhalter 4"/>
+          <p:cNvSpPr>
+            <a:spLocks noGrp="1"/>
+          </p:cNvSpPr>
+          <p:nvPr>
+            <p:ph type="body" sz="quarter" idx="3"/>
+          </p:nvPr>
+        </p:nvSpPr>
+        <p:spPr>
+          <a:xfrm>
+            <a:off x="685800" y="4400550"/>
+            <a:ext cx="5486400" cy="3600450"/>
+          </a:xfrm>
+          <a:prstGeom prst="rect">
+            <a:avLst/>
+          </a:prstGeom>
+        </p:spPr>
+        <p:txBody>
+          <a:bodyPr vert="horz" lIns="91440" tIns="45720" rIns="91440" bIns="45720" rtlCol="0"/>
+          <a:lstStyle/>
+          <a:p>
+            <a:pPr lvl="0"/>
+            <a:r>
+              <a:rPr lang="de-DE"/>
+              <a:t>Mastertextformat bearbeiten</a:t>
+            </a:r>
+          </a:p>
+          <a:p>
+            <a:pPr lvl="1"/>
+            <a:r>
+              <a:rPr lang="de-DE"/>
+              <a:t>Zweite Ebene</a:t>
+            </a:r>
+          </a:p>
+          <a:p>
+            <a:pPr lvl="2"/>
+            <a:r>
+              <a:rPr lang="de-DE"/>
+              <a:t>Dritte Ebene</a:t>
+            </a:r>
+          </a:p>
+          <a:p>
+            <a:pPr lvl="3"/>
+            <a:r>
+              <a:rPr lang="de-DE"/>
+              <a:t>Vierte Ebene</a:t>
+            </a:r>
+          </a:p>
+          <a:p>
+            <a:pPr lvl="4"/>
+            <a:r>
+              <a:rPr lang="de-DE"/>
+              <a:t>Fünfte Ebene</a:t>
+            </a:r>
+          </a:p>
+        </p:txBody>
+      </p:sp>
+      <p:sp>
+        <p:nvSpPr>
+          <p:cNvPr id="6" name="Fußzeilenplatzhalter 5"/>
+          <p:cNvSpPr>
+            <a:spLocks noGrp="1"/>
+          </p:cNvSpPr>
+          <p:nvPr>
+            <p:ph type="ftr" sz="quarter" idx="4"/>
+          </p:nvPr>
+        </p:nvSpPr>
+        <p:spPr>
+          <a:xfrm>
+            <a:off x="0" y="8685213"/>
+            <a:ext cx="2971800" cy="458787"/>
+          </a:xfrm>
+          <a:prstGeom prst="rect">
+            <a:avLst/>
+          </a:prstGeom>
+        </p:spPr>
+        <p:txBody>
+          <a:bodyPr vert="horz" lIns="91440" tIns="45720" rIns="91440" bIns="45720" rtlCol="0" anchor="b"/>
+          <a:lstStyle>
+            <a:lvl1pPr algn="l">
+              <a:defRPr sz="1200"/>
+            </a:lvl1pPr>
+          </a:lstStyle>
+          <a:p>
+            <a:endParaRPr lang="de-DE"/>
+          </a:p>
+        </p:txBody>
+      </p:sp>
+      <p:sp>
+        <p:nvSpPr>
+          <p:cNvPr id="7" name="Foliennummernplatzhalter 6"/>
+          <p:cNvSpPr>
+            <a:spLocks noGrp="1"/>
+          </p:cNvSpPr>
+          <p:nvPr>
+            <p:ph type="sldNum" sz="quarter" idx="5"/>
+          </p:nvPr>
+        </p:nvSpPr>
+        <p:spPr>
+          <a:xfrm>
+            <a:off x="3884613" y="8685213"/>
+            <a:ext cx="2971800" cy="458787"/>
+          </a:xfrm>
+          <a:prstGeom prst="rect">
+            <a:avLst/>
+          </a:prstGeom>
+        </p:spPr>
+        <p:txBody>
+          <a:bodyPr vert="horz" lIns="91440" tIns="45720" rIns="91440" bIns="45720" rtlCol="0" anchor="b"/>
+          <a:lstStyle>
+            <a:lvl1pPr algn="r">
+              <a:defRPr sz="1200"/>
+            </a:lvl1pPr>
+          </a:lstStyle>
+          <a:p>
+            <a:fld id="{208D4F3F-4ED1-4402-86B6-2A869C3EDED9}" type="slidenum">
+              <a:rPr lang="de-DE" smtClean="0"/>
+              <a:t>‹Nr.›</a:t>
+            </a:fld>
+            <a:endParaRPr lang="de-DE"/>
+          </a:p>
+        </p:txBody>
+      </p:sp>
+    </p:spTree>
+    <p:extLst>
+      <p:ext uri="{BB962C8B-B14F-4D97-AF65-F5344CB8AC3E}">
+        <p14:creationId xmlns:p14="http://schemas.microsoft.com/office/powerpoint/2010/main" val="3875557379"/>
+      </p:ext>
+    </p:extLst>
+  </p:cSld>
+  <p:clrMap bg1="lt1" tx1="dk1" bg2="lt2" tx2="dk2" accent1="accent1" accent2="accent2" accent3="accent3" accent4="accent4" accent5="accent5" accent6="accent6" hlink="hlink" folHlink="folHlink"/>
+  <p:notesStyle>
+    <a:lvl1pPr marL="0" algn="l" defTabSz="914400" rtl="0" eaLnBrk="1" latinLnBrk="0" hangingPunct="1">
+      <a:defRPr sz="1200" kern="1200">
+        <a:solidFill>
+          <a:schemeClr val="tx1"/>
+        </a:solidFill>
+        <a:latin typeface="+mn-lt"/>
+        <a:ea typeface="+mn-ea"/>
+        <a:cs typeface="+mn-cs"/>
+      </a:defRPr>
+    </a:lvl1pPr>
+    <a:lvl2pPr marL="457200" algn="l" defTabSz="914400" rtl="0" eaLnBrk="1" latinLnBrk="0" hangingPunct="1">
+      <a:defRPr sz="1200" kern="1200">
+        <a:solidFill>
+          <a:schemeClr val="tx1"/>
+        </a:solidFill>
+        <a:latin typeface="+mn-lt"/>
+        <a:ea typeface="+mn-ea"/>
+        <a:cs typeface="+mn-cs"/>
+      </a:defRPr>
+    </a:lvl2pPr>
+    <a:lvl3pPr marL="914400" algn="l" defTabSz="914400" rtl="0" eaLnBrk="1" latinLnBrk="0" hangingPunct="1">
+      <a:defRPr sz="1200" kern="1200">
+        <a:solidFill>
+          <a:schemeClr val="tx1"/>
+        </a:solidFill>
+        <a:latin typeface="+mn-lt"/>
+        <a:ea typeface="+mn-ea"/>
+        <a:cs typeface="+mn-cs"/>
+      </a:defRPr>
+    </a:lvl3pPr>
+    <a:lvl4pPr marL="1371600" algn="l" defTabSz="914400" rtl="0" eaLnBrk="1" latinLnBrk="0" hangingPunct="1">
+      <a:defRPr sz="1200" kern="1200">
+        <a:solidFill>
+          <a:schemeClr val="tx1"/>
+        </a:solidFill>
+        <a:latin typeface="+mn-lt"/>
+        <a:ea typeface="+mn-ea"/>
+        <a:cs typeface="+mn-cs"/>
+      </a:defRPr>
+    </a:lvl4pPr>
+    <a:lvl5pPr marL="1828800" algn="l" defTabSz="914400" rtl="0" eaLnBrk="1" latinLnBrk="0" hangingPunct="1">
+      <a:defRPr sz="1200" kern="1200">
+        <a:solidFill>
+          <a:schemeClr val="tx1"/>
+        </a:solidFill>
+        <a:latin typeface="+mn-lt"/>
+        <a:ea typeface="+mn-ea"/>
+        <a:cs typeface="+mn-cs"/>
+      </a:defRPr>
+    </a:lvl5pPr>
+    <a:lvl6pPr marL="2286000" algn="l" defTabSz="914400" rtl="0" eaLnBrk="1" latinLnBrk="0" hangingPunct="1">
+      <a:defRPr sz="1200" kern="1200">
+        <a:solidFill>
+          <a:schemeClr val="tx1"/>
+        </a:solidFill>
+        <a:latin typeface="+mn-lt"/>
+        <a:ea typeface="+mn-ea"/>
+        <a:cs typeface="+mn-cs"/>
+      </a:defRPr>
+    </a:lvl6pPr>
+    <a:lvl7pPr marL="2743200" algn="l" defTabSz="914400" rtl="0" eaLnBrk="1" latinLnBrk="0" hangingPunct="1">
+      <a:defRPr sz="1200" kern="1200">
+        <a:solidFill>
+          <a:schemeClr val="tx1"/>
+        </a:solidFill>
+        <a:latin typeface="+mn-lt"/>
+        <a:ea typeface="+mn-ea"/>
+        <a:cs typeface="+mn-cs"/>
+      </a:defRPr>
+    </a:lvl7pPr>
+    <a:lvl8pPr marL="3200400" algn="l" defTabSz="914400" rtl="0" eaLnBrk="1" latinLnBrk="0" hangingPunct="1">
+      <a:defRPr sz="1200" kern="1200">
+        <a:solidFill>
+          <a:schemeClr val="tx1"/>
+        </a:solidFill>
+        <a:latin typeface="+mn-lt"/>
+        <a:ea typeface="+mn-ea"/>
+        <a:cs typeface="+mn-cs"/>
+      </a:defRPr>
+    </a:lvl8pPr>
+    <a:lvl9pPr marL="3657600" algn="l" defTabSz="914400" rtl="0" eaLnBrk="1" latinLnBrk="0" hangingPunct="1">
+      <a:defRPr sz="1200" kern="1200">
+        <a:solidFill>
+          <a:schemeClr val="tx1"/>
+        </a:solidFill>
+        <a:latin typeface="+mn-lt"/>
+        <a:ea typeface="+mn-ea"/>
+        <a:cs typeface="+mn-cs"/>
+      </a:defRPr>
+    </a:lvl9pPr>
+  </p:notesStyle>
+</p:notesMaster>
+</file>
+
+<file path=ppt/notesSlides/notesSlide1.xml><?xml version="1.0" encoding="utf-8"?>
+<p:notes xmlns:a="http://schemas.openxmlformats.org/drawingml/2006/main" xmlns:r="http://schemas.openxmlformats.org/officeDocument/2006/relationships" xmlns:p="http://schemas.openxmlformats.org/presentationml/2006/main">
+  <p:cSld>
+    <p:spTree>
+      <p:nvGrpSpPr>
+        <p:cNvPr id="1" name=""/>
+        <p:cNvGrpSpPr/>
+        <p:nvPr/>
+      </p:nvGrpSpPr>
+      <p:grpSpPr>
+        <a:xfrm>
+          <a:off x="0" y="0"/>
+          <a:ext cx="0" cy="0"/>
+          <a:chOff x="0" y="0"/>
+          <a:chExt cx="0" cy="0"/>
+        </a:xfrm>
+      </p:grpSpPr>
+      <p:sp>
+        <p:nvSpPr>
+          <p:cNvPr id="2" name="Folienbildplatzhalter 1"/>
+          <p:cNvSpPr>
+            <a:spLocks noGrp="1" noRot="1" noChangeAspect="1"/>
+          </p:cNvSpPr>
+          <p:nvPr>
+            <p:ph type="sldImg"/>
+          </p:nvPr>
+        </p:nvSpPr>
+        <p:spPr/>
+      </p:sp>
+      <p:sp>
+        <p:nvSpPr>
+          <p:cNvPr id="3" name="Notizenplatzhalter 2"/>
+          <p:cNvSpPr>
+            <a:spLocks noGrp="1"/>
+          </p:cNvSpPr>
+          <p:nvPr>
+            <p:ph type="body" idx="1"/>
+          </p:nvPr>
+        </p:nvSpPr>
+        <p:spPr/>
+        <p:txBody>
+          <a:bodyPr/>
+          <a:lstStyle/>
+          <a:p>
+            <a:endParaRPr lang="de-DE"/>
+          </a:p>
+        </p:txBody>
+      </p:sp>
+      <p:sp>
+        <p:nvSpPr>
+          <p:cNvPr id="4" name="Foliennummernplatzhalter 3"/>
+          <p:cNvSpPr>
+            <a:spLocks noGrp="1"/>
+          </p:cNvSpPr>
+          <p:nvPr>
+            <p:ph type="sldNum" sz="quarter" idx="10"/>
+          </p:nvPr>
+        </p:nvSpPr>
+        <p:spPr/>
+        <p:txBody>
+          <a:bodyPr/>
+          <a:lstStyle/>
+          <a:p>
+            <a:fld id="{208D4F3F-4ED1-4402-86B6-2A869C3EDED9}" type="slidenum">
+              <a:rPr lang="de-DE" smtClean="0"/>
+              <a:t>5</a:t>
+            </a:fld>
+            <a:endParaRPr lang="de-DE"/>
+          </a:p>
+        </p:txBody>
+      </p:sp>
+    </p:spTree>
+    <p:extLst>
+      <p:ext uri="{BB962C8B-B14F-4D97-AF65-F5344CB8AC3E}">
+        <p14:creationId xmlns:p14="http://schemas.microsoft.com/office/powerpoint/2010/main" val="2590822711"/>
+      </p:ext>
+    </p:extLst>
+  </p:cSld>
+  <p:clrMapOvr>
+    <a:masterClrMapping/>
+  </p:clrMapOvr>
+</p:notes>
 </file>
 
 <file path=ppt/slideLayouts/slideLayout1.xml><?xml version="1.0" encoding="utf-8"?>
@@ -266,7 +705,7 @@
           <a:p>
             <a:fld id="{3F86B6B5-3B37-4848-B40E-22A2A7CEFEDD}" type="datetimeFigureOut">
               <a:rPr lang="de-DE" smtClean="0"/>
-              <a:t>07.07.2018</a:t>
+              <a:t>08.07.2018</a:t>
             </a:fld>
             <a:endParaRPr lang="de-DE"/>
           </a:p>
@@ -464,7 +903,7 @@
           <a:p>
             <a:fld id="{3F86B6B5-3B37-4848-B40E-22A2A7CEFEDD}" type="datetimeFigureOut">
               <a:rPr lang="de-DE" smtClean="0"/>
-              <a:t>07.07.2018</a:t>
+              <a:t>08.07.2018</a:t>
             </a:fld>
             <a:endParaRPr lang="de-DE"/>
           </a:p>
@@ -672,7 +1111,7 @@
           <a:p>
             <a:fld id="{3F86B6B5-3B37-4848-B40E-22A2A7CEFEDD}" type="datetimeFigureOut">
               <a:rPr lang="de-DE" smtClean="0"/>
-              <a:t>07.07.2018</a:t>
+              <a:t>08.07.2018</a:t>
             </a:fld>
             <a:endParaRPr lang="de-DE"/>
           </a:p>
@@ -870,7 +1309,7 @@
           <a:p>
             <a:fld id="{3F86B6B5-3B37-4848-B40E-22A2A7CEFEDD}" type="datetimeFigureOut">
               <a:rPr lang="de-DE" smtClean="0"/>
-              <a:t>07.07.2018</a:t>
+              <a:t>08.07.2018</a:t>
             </a:fld>
             <a:endParaRPr lang="de-DE"/>
           </a:p>
@@ -1145,7 +1584,7 @@
           <a:p>
             <a:fld id="{3F86B6B5-3B37-4848-B40E-22A2A7CEFEDD}" type="datetimeFigureOut">
               <a:rPr lang="de-DE" smtClean="0"/>
-              <a:t>07.07.2018</a:t>
+              <a:t>08.07.2018</a:t>
             </a:fld>
             <a:endParaRPr lang="de-DE"/>
           </a:p>
@@ -1410,7 +1849,7 @@
           <a:p>
             <a:fld id="{3F86B6B5-3B37-4848-B40E-22A2A7CEFEDD}" type="datetimeFigureOut">
               <a:rPr lang="de-DE" smtClean="0"/>
-              <a:t>07.07.2018</a:t>
+              <a:t>08.07.2018</a:t>
             </a:fld>
             <a:endParaRPr lang="de-DE"/>
           </a:p>
@@ -1822,7 +2261,7 @@
           <a:p>
             <a:fld id="{3F86B6B5-3B37-4848-B40E-22A2A7CEFEDD}" type="datetimeFigureOut">
               <a:rPr lang="de-DE" smtClean="0"/>
-              <a:t>07.07.2018</a:t>
+              <a:t>08.07.2018</a:t>
             </a:fld>
             <a:endParaRPr lang="de-DE"/>
           </a:p>
@@ -1963,7 +2402,7 @@
           <a:p>
             <a:fld id="{3F86B6B5-3B37-4848-B40E-22A2A7CEFEDD}" type="datetimeFigureOut">
               <a:rPr lang="de-DE" smtClean="0"/>
-              <a:t>07.07.2018</a:t>
+              <a:t>08.07.2018</a:t>
             </a:fld>
             <a:endParaRPr lang="de-DE"/>
           </a:p>
@@ -2076,7 +2515,7 @@
           <a:p>
             <a:fld id="{3F86B6B5-3B37-4848-B40E-22A2A7CEFEDD}" type="datetimeFigureOut">
               <a:rPr lang="de-DE" smtClean="0"/>
-              <a:t>07.07.2018</a:t>
+              <a:t>08.07.2018</a:t>
             </a:fld>
             <a:endParaRPr lang="de-DE"/>
           </a:p>
@@ -2387,7 +2826,7 @@
           <a:p>
             <a:fld id="{3F86B6B5-3B37-4848-B40E-22A2A7CEFEDD}" type="datetimeFigureOut">
               <a:rPr lang="de-DE" smtClean="0"/>
-              <a:t>07.07.2018</a:t>
+              <a:t>08.07.2018</a:t>
             </a:fld>
             <a:endParaRPr lang="de-DE"/>
           </a:p>
@@ -2675,7 +3114,7 @@
           <a:p>
             <a:fld id="{3F86B6B5-3B37-4848-B40E-22A2A7CEFEDD}" type="datetimeFigureOut">
               <a:rPr lang="de-DE" smtClean="0"/>
-              <a:t>07.07.2018</a:t>
+              <a:t>08.07.2018</a:t>
             </a:fld>
             <a:endParaRPr lang="de-DE"/>
           </a:p>
@@ -2916,7 +3355,7 @@
           <a:p>
             <a:fld id="{3F86B6B5-3B37-4848-B40E-22A2A7CEFEDD}" type="datetimeFigureOut">
               <a:rPr lang="de-DE" smtClean="0"/>
-              <a:t>07.07.2018</a:t>
+              <a:t>08.07.2018</a:t>
             </a:fld>
             <a:endParaRPr lang="de-DE"/>
           </a:p>
@@ -3513,15 +3952,193 @@
             <p:ph idx="1"/>
           </p:nvPr>
         </p:nvSpPr>
-        <p:spPr/>
-        <p:txBody>
-          <a:bodyPr/>
-          <a:lstStyle/>
-          <a:p>
-            <a:endParaRPr lang="de-DE" dirty="0"/>
-          </a:p>
-        </p:txBody>
-      </p:sp>
+        <p:spPr>
+          <a:xfrm>
+            <a:off x="838200" y="1825625"/>
+            <a:ext cx="5257800" cy="4351338"/>
+          </a:xfrm>
+        </p:spPr>
+        <p:txBody>
+          <a:bodyPr>
+            <a:normAutofit/>
+          </a:bodyPr>
+          <a:lstStyle/>
+          <a:p>
+            <a:r>
+              <a:rPr lang="de-DE" sz="2500" dirty="0"/>
+              <a:t>Handschriftliche Großbuchstaben</a:t>
+            </a:r>
+          </a:p>
+          <a:p>
+            <a:r>
+              <a:rPr lang="de-DE" sz="2500" dirty="0"/>
+              <a:t>Geordnet nach Klassen(Buchstaben)</a:t>
+            </a:r>
+          </a:p>
+          <a:p>
+            <a:r>
+              <a:rPr lang="de-DE" sz="2500" dirty="0"/>
+              <a:t>Bis zu 3600 Personen beteiligt</a:t>
+            </a:r>
+          </a:p>
+          <a:p>
+            <a:r>
+              <a:rPr lang="de-DE" sz="2500" dirty="0"/>
+              <a:t>Gesamtgröße etwa 65.000 Bilder im PNG-Format</a:t>
+            </a:r>
+          </a:p>
+          <a:p>
+            <a:r>
+              <a:rPr lang="de-DE" sz="2500" dirty="0"/>
+              <a:t>Anzahl der Bilder pro Klasse variiert von ~450 bis &gt;2000</a:t>
+            </a:r>
+          </a:p>
+        </p:txBody>
+      </p:sp>
+      <p:pic>
+        <p:nvPicPr>
+          <p:cNvPr id="5" name="Grafik 4">
+            <a:extLst>
+              <a:ext uri="{FF2B5EF4-FFF2-40B4-BE49-F238E27FC236}">
+                <a16:creationId xmlns:a16="http://schemas.microsoft.com/office/drawing/2014/main" id="{74BAEDC4-9176-43C3-AB29-1E0068A01951}"/>
+              </a:ext>
+            </a:extLst>
+          </p:cNvPr>
+          <p:cNvPicPr>
+            <a:picLocks noChangeAspect="1"/>
+          </p:cNvPicPr>
+          <p:nvPr/>
+        </p:nvPicPr>
+        <p:blipFill>
+          <a:blip r:embed="rId2">
+            <a:extLst>
+              <a:ext uri="{28A0092B-C50C-407E-A947-70E740481C1C}">
+                <a14:useLocalDpi xmlns:a14="http://schemas.microsoft.com/office/drawing/2010/main" val="0"/>
+              </a:ext>
+            </a:extLst>
+          </a:blip>
+          <a:stretch>
+            <a:fillRect/>
+          </a:stretch>
+        </p:blipFill>
+        <p:spPr>
+          <a:xfrm>
+            <a:off x="6096000" y="1472266"/>
+            <a:ext cx="2712097" cy="2475628"/>
+          </a:xfrm>
+          <a:prstGeom prst="rect">
+            <a:avLst/>
+          </a:prstGeom>
+        </p:spPr>
+      </p:pic>
+      <p:pic>
+        <p:nvPicPr>
+          <p:cNvPr id="7" name="Grafik 6">
+            <a:extLst>
+              <a:ext uri="{FF2B5EF4-FFF2-40B4-BE49-F238E27FC236}">
+                <a16:creationId xmlns:a16="http://schemas.microsoft.com/office/drawing/2014/main" id="{E9C3E429-80EE-425D-92DF-EE24B6FE643A}"/>
+              </a:ext>
+            </a:extLst>
+          </p:cNvPr>
+          <p:cNvPicPr>
+            <a:picLocks noChangeAspect="1"/>
+          </p:cNvPicPr>
+          <p:nvPr/>
+        </p:nvPicPr>
+        <p:blipFill>
+          <a:blip r:embed="rId3">
+            <a:extLst>
+              <a:ext uri="{28A0092B-C50C-407E-A947-70E740481C1C}">
+                <a14:useLocalDpi xmlns:a14="http://schemas.microsoft.com/office/drawing/2010/main" val="0"/>
+              </a:ext>
+            </a:extLst>
+          </a:blip>
+          <a:stretch>
+            <a:fillRect/>
+          </a:stretch>
+        </p:blipFill>
+        <p:spPr>
+          <a:xfrm>
+            <a:off x="6138455" y="3943748"/>
+            <a:ext cx="2671688" cy="2475628"/>
+          </a:xfrm>
+          <a:prstGeom prst="rect">
+            <a:avLst/>
+          </a:prstGeom>
+        </p:spPr>
+      </p:pic>
+      <p:pic>
+        <p:nvPicPr>
+          <p:cNvPr id="9" name="Grafik 8">
+            <a:extLst>
+              <a:ext uri="{FF2B5EF4-FFF2-40B4-BE49-F238E27FC236}">
+                <a16:creationId xmlns:a16="http://schemas.microsoft.com/office/drawing/2014/main" id="{AD837C69-F3FC-4DEF-8D6D-66EC7A7A721D}"/>
+              </a:ext>
+            </a:extLst>
+          </p:cNvPr>
+          <p:cNvPicPr>
+            <a:picLocks noChangeAspect="1"/>
+          </p:cNvPicPr>
+          <p:nvPr/>
+        </p:nvPicPr>
+        <p:blipFill>
+          <a:blip r:embed="rId4">
+            <a:extLst>
+              <a:ext uri="{28A0092B-C50C-407E-A947-70E740481C1C}">
+                <a14:useLocalDpi xmlns:a14="http://schemas.microsoft.com/office/drawing/2010/main" val="0"/>
+              </a:ext>
+            </a:extLst>
+          </a:blip>
+          <a:stretch>
+            <a:fillRect/>
+          </a:stretch>
+        </p:blipFill>
+        <p:spPr>
+          <a:xfrm>
+            <a:off x="8812189" y="1472266"/>
+            <a:ext cx="2795093" cy="2549338"/>
+          </a:xfrm>
+          <a:prstGeom prst="rect">
+            <a:avLst/>
+          </a:prstGeom>
+        </p:spPr>
+      </p:pic>
+      <p:pic>
+        <p:nvPicPr>
+          <p:cNvPr id="11" name="Grafik 10">
+            <a:extLst>
+              <a:ext uri="{FF2B5EF4-FFF2-40B4-BE49-F238E27FC236}">
+                <a16:creationId xmlns:a16="http://schemas.microsoft.com/office/drawing/2014/main" id="{420DA67D-F69C-45F6-9ADB-00F047C65036}"/>
+              </a:ext>
+            </a:extLst>
+          </p:cNvPr>
+          <p:cNvPicPr>
+            <a:picLocks noChangeAspect="1"/>
+          </p:cNvPicPr>
+          <p:nvPr/>
+        </p:nvPicPr>
+        <p:blipFill>
+          <a:blip r:embed="rId5">
+            <a:extLst>
+              <a:ext uri="{28A0092B-C50C-407E-A947-70E740481C1C}">
+                <a14:useLocalDpi xmlns:a14="http://schemas.microsoft.com/office/drawing/2010/main" val="0"/>
+              </a:ext>
+            </a:extLst>
+          </a:blip>
+          <a:stretch>
+            <a:fillRect/>
+          </a:stretch>
+        </p:blipFill>
+        <p:spPr>
+          <a:xfrm>
+            <a:off x="8808098" y="3943749"/>
+            <a:ext cx="2679240" cy="2401068"/>
+          </a:xfrm>
+          <a:prstGeom prst="rect">
+            <a:avLst/>
+          </a:prstGeom>
+        </p:spPr>
+      </p:pic>
     </p:spTree>
     <p:extLst>
       <p:ext uri="{BB962C8B-B14F-4D97-AF65-F5344CB8AC3E}">
@@ -3603,10 +4220,21 @@
           </a:xfrm>
         </p:spPr>
         <p:txBody>
-          <a:bodyPr/>
-          <a:lstStyle/>
-          <a:p>
-            <a:endParaRPr lang="de-DE" dirty="0"/>
+          <a:bodyPr>
+            <a:normAutofit/>
+          </a:bodyPr>
+          <a:lstStyle/>
+          <a:p>
+            <a:r>
+              <a:rPr lang="de-DE" sz="2500" dirty="0"/>
+              <a:t>Formatierung von 128x128x4 PNG-Bildern auf 28x28x4 PNG-Bilder</a:t>
+            </a:r>
+          </a:p>
+          <a:p>
+            <a:r>
+              <a:rPr lang="de-DE" sz="2500" dirty="0"/>
+              <a:t>Kleinere Bilder =&gt; bessere Laufzeit</a:t>
+            </a:r>
           </a:p>
         </p:txBody>
       </p:sp>
@@ -3845,6 +4473,38 @@
         <p:txBody>
           <a:bodyPr/>
           <a:lstStyle/>
+          <a:p>
+            <a:r>
+              <a:rPr lang="de-DE" sz="2500" dirty="0"/>
+              <a:t>Augmentation teilweise unausweichlich aufgrund der stark variierenden Anzahl an Bildern pro Klasse</a:t>
+            </a:r>
+          </a:p>
+          <a:p>
+            <a:r>
+              <a:rPr lang="de-DE" sz="2500" dirty="0"/>
+              <a:t>Augmentation mithilfe von Rotation um bis zu +/-10 Grad (Zufallsbasiert)</a:t>
+            </a:r>
+          </a:p>
+          <a:p>
+            <a:r>
+              <a:rPr lang="de-DE" sz="2500" dirty="0"/>
+              <a:t>Augmentation erzeugt einen Datensatz pro Klasse und speichert ihn als .</a:t>
+            </a:r>
+            <a:r>
+              <a:rPr lang="de-DE" sz="2500" dirty="0" err="1"/>
+              <a:t>npz</a:t>
+            </a:r>
+            <a:r>
+              <a:rPr lang="de-DE" sz="2500" dirty="0"/>
+              <a:t>-Datei ab. </a:t>
+            </a:r>
+          </a:p>
+          <a:p>
+            <a:r>
+              <a:rPr lang="de-DE" sz="2500" dirty="0"/>
+              <a:t>Vorteil: schnelles laden der Daten</a:t>
+            </a:r>
+          </a:p>
           <a:p>
             <a:endParaRPr lang="de-DE" dirty="0"/>
           </a:p>
@@ -4591,10 +5251,73 @@
           </a:xfrm>
         </p:spPr>
         <p:txBody>
-          <a:bodyPr/>
-          <a:lstStyle/>
-          <a:p>
-            <a:endParaRPr lang="de-DE" dirty="0"/>
+          <a:bodyPr>
+            <a:normAutofit/>
+          </a:bodyPr>
+          <a:lstStyle/>
+          <a:p>
+            <a:r>
+              <a:rPr lang="de-DE" sz="2500" dirty="0"/>
+              <a:t>Stapeln der Bildpixel auf einem Stapel mit anschließender Normalisierung</a:t>
+            </a:r>
+          </a:p>
+          <a:p>
+            <a:r>
+              <a:rPr lang="de-DE" sz="2500" dirty="0"/>
+              <a:t>Validierung durch </a:t>
+            </a:r>
+            <a:r>
+              <a:rPr lang="de-DE" sz="2500" dirty="0" err="1"/>
+              <a:t>stack</a:t>
+            </a:r>
+            <a:r>
+              <a:rPr lang="de-DE" sz="2500" dirty="0"/>
+              <a:t> – </a:t>
+            </a:r>
+            <a:r>
+              <a:rPr lang="de-DE" sz="2500" dirty="0" err="1"/>
+              <a:t>val_img</a:t>
+            </a:r>
+            <a:endParaRPr lang="de-DE" sz="2500" dirty="0"/>
+          </a:p>
+          <a:p>
+            <a:r>
+              <a:rPr lang="de-DE" sz="2500" dirty="0"/>
+              <a:t>Vorteil: schnelle Laufzeit dank </a:t>
+            </a:r>
+            <a:r>
+              <a:rPr lang="de-DE" sz="2500" dirty="0" err="1"/>
+              <a:t>numpy-ndarrays</a:t>
+            </a:r>
+            <a:endParaRPr lang="de-DE" sz="2500" dirty="0"/>
+          </a:p>
+          <a:p>
+            <a:r>
+              <a:rPr lang="de-DE" sz="2500" dirty="0"/>
+              <a:t>Genauigkeit: ~8-10%</a:t>
+            </a:r>
+          </a:p>
+          <a:p>
+            <a:r>
+              <a:rPr lang="de-DE" sz="2500" dirty="0"/>
+              <a:t>Verbesserungen: </a:t>
+            </a:r>
+            <a:r>
+              <a:rPr lang="de-DE" sz="2500" dirty="0" err="1"/>
+              <a:t>Bounding</a:t>
+            </a:r>
+            <a:r>
+              <a:rPr lang="de-DE" sz="2500" dirty="0"/>
+              <a:t>-Boxes, Rotation, </a:t>
+            </a:r>
+            <a:r>
+              <a:rPr lang="de-DE" sz="2500" dirty="0" err="1"/>
+              <a:t>Scaling</a:t>
+            </a:r>
+            <a:endParaRPr lang="de-DE" sz="2500" dirty="0"/>
+          </a:p>
+          <a:p>
+            <a:endParaRPr lang="de-DE" sz="2500" dirty="0"/>
           </a:p>
         </p:txBody>
       </p:sp>
@@ -4612,7 +5335,7 @@
         </p:nvSpPr>
         <p:spPr>
           <a:xfrm>
-            <a:off x="7642371" y="3691157"/>
+            <a:off x="7951376" y="4001550"/>
             <a:ext cx="2835479" cy="2600586"/>
           </a:xfrm>
           <a:prstGeom prst="rect">
@@ -4687,7 +5410,7 @@
         </p:nvSpPr>
         <p:spPr>
           <a:xfrm>
-            <a:off x="7642371" y="2348664"/>
+            <a:off x="7951376" y="2659057"/>
             <a:ext cx="2835479" cy="2600586"/>
           </a:xfrm>
           <a:prstGeom prst="rect">
@@ -4755,7 +5478,7 @@
         </p:nvSpPr>
         <p:spPr>
           <a:xfrm>
-            <a:off x="7642371" y="2048059"/>
+            <a:off x="7951376" y="2358452"/>
             <a:ext cx="2835479" cy="2600586"/>
           </a:xfrm>
           <a:prstGeom prst="rect">
@@ -4823,7 +5546,7 @@
         </p:nvSpPr>
         <p:spPr>
           <a:xfrm>
-            <a:off x="7642371" y="1690688"/>
+            <a:off x="7951376" y="2001081"/>
             <a:ext cx="2835479" cy="2600586"/>
           </a:xfrm>
           <a:prstGeom prst="rect">
@@ -4891,7 +5614,7 @@
         </p:nvSpPr>
         <p:spPr>
           <a:xfrm>
-            <a:off x="7642370" y="1217549"/>
+            <a:off x="7951375" y="1527942"/>
             <a:ext cx="2835479" cy="2600586"/>
           </a:xfrm>
           <a:prstGeom prst="rect">
@@ -4959,7 +5682,7 @@
         </p:nvSpPr>
         <p:spPr>
           <a:xfrm>
-            <a:off x="7877259" y="365125"/>
+            <a:off x="8186264" y="675518"/>
             <a:ext cx="2365699" cy="873958"/>
           </a:xfrm>
           <a:prstGeom prst="rect">
@@ -5008,7 +5731,7 @@
         </p:nvCxnSpPr>
         <p:spPr>
           <a:xfrm>
-            <a:off x="9169167" y="4068406"/>
+            <a:off x="9478172" y="4378799"/>
             <a:ext cx="0" cy="746875"/>
           </a:xfrm>
           <a:prstGeom prst="straightConnector1">
@@ -5051,7 +5774,7 @@
         </p:nvSpPr>
         <p:spPr>
           <a:xfrm>
-            <a:off x="9107157" y="4264649"/>
+            <a:off x="9416162" y="4575042"/>
             <a:ext cx="1205779" cy="246221"/>
           </a:xfrm>
           <a:prstGeom prst="rect">
@@ -5092,7 +5815,7 @@
         </p:nvCxnSpPr>
         <p:spPr>
           <a:xfrm flipH="1">
-            <a:off x="9060108" y="1239083"/>
+            <a:off x="9369113" y="1549476"/>
             <a:ext cx="1" cy="698774"/>
           </a:xfrm>
           <a:prstGeom prst="straightConnector1">
@@ -5131,7 +5854,7 @@
         </p:nvSpPr>
         <p:spPr>
           <a:xfrm>
-            <a:off x="9009045" y="1488994"/>
+            <a:off x="9318050" y="1799387"/>
             <a:ext cx="2035750" cy="276999"/>
           </a:xfrm>
           <a:prstGeom prst="rect">
@@ -5712,4 +6435,299 @@
     </a:ext>
   </a:extLst>
 </a:theme>
+</file>
+
+<file path=ppt/theme/theme2.xml><?xml version="1.0" encoding="utf-8"?>
+<a:theme xmlns:a="http://schemas.openxmlformats.org/drawingml/2006/main" name="Office">
+  <a:themeElements>
+    <a:clrScheme name="Office">
+      <a:dk1>
+        <a:sysClr val="windowText" lastClr="000000"/>
+      </a:dk1>
+      <a:lt1>
+        <a:sysClr val="window" lastClr="FFFFFF"/>
+      </a:lt1>
+      <a:dk2>
+        <a:srgbClr val="44546A"/>
+      </a:dk2>
+      <a:lt2>
+        <a:srgbClr val="E7E6E6"/>
+      </a:lt2>
+      <a:accent1>
+        <a:srgbClr val="4472C4"/>
+      </a:accent1>
+      <a:accent2>
+        <a:srgbClr val="ED7D31"/>
+      </a:accent2>
+      <a:accent3>
+        <a:srgbClr val="A5A5A5"/>
+      </a:accent3>
+      <a:accent4>
+        <a:srgbClr val="FFC000"/>
+      </a:accent4>
+      <a:accent5>
+        <a:srgbClr val="5B9BD5"/>
+      </a:accent5>
+      <a:accent6>
+        <a:srgbClr val="70AD47"/>
+      </a:accent6>
+      <a:hlink>
+        <a:srgbClr val="0563C1"/>
+      </a:hlink>
+      <a:folHlink>
+        <a:srgbClr val="954F72"/>
+      </a:folHlink>
+    </a:clrScheme>
+    <a:fontScheme name="Office">
+      <a:majorFont>
+        <a:latin typeface="Calibri Light" panose="020F0302020204030204"/>
+        <a:ea typeface=""/>
+        <a:cs typeface=""/>
+        <a:font script="Jpan" typeface="游ゴシック Light"/>
+        <a:font script="Hang" typeface="맑은 고딕"/>
+        <a:font script="Hans" typeface="等线 Light"/>
+        <a:font script="Hant" typeface="新細明體"/>
+        <a:font script="Arab" typeface="Times New Roman"/>
+        <a:font script="Hebr" typeface="Times New Roman"/>
+        <a:font script="Thai" typeface="Angsana New"/>
+        <a:font script="Ethi" typeface="Nyala"/>
+        <a:font script="Beng" typeface="Vrinda"/>
+        <a:font script="Gujr" typeface="Shruti"/>
+        <a:font script="Khmr" typeface="MoolBoran"/>
+        <a:font script="Knda" typeface="Tunga"/>
+        <a:font script="Guru" typeface="Raavi"/>
+        <a:font script="Cans" typeface="Euphemia"/>
+        <a:font script="Cher" typeface="Plantagenet Cherokee"/>
+        <a:font script="Yiii" typeface="Microsoft Yi Baiti"/>
+        <a:font script="Tibt" typeface="Microsoft Himalaya"/>
+        <a:font script="Thaa" typeface="MV Boli"/>
+        <a:font script="Deva" typeface="Mangal"/>
+        <a:font script="Telu" typeface="Gautami"/>
+        <a:font script="Taml" typeface="Latha"/>
+        <a:font script="Syrc" typeface="Estrangelo Edessa"/>
+        <a:font script="Orya" typeface="Kalinga"/>
+        <a:font script="Mlym" typeface="Kartika"/>
+        <a:font script="Laoo" typeface="DokChampa"/>
+        <a:font script="Sinh" typeface="Iskoola Pota"/>
+        <a:font script="Mong" typeface="Mongolian Baiti"/>
+        <a:font script="Viet" typeface="Times New Roman"/>
+        <a:font script="Uigh" typeface="Microsoft Uighur"/>
+        <a:font script="Geor" typeface="Sylfaen"/>
+        <a:font script="Armn" typeface="Arial"/>
+        <a:font script="Bugi" typeface="Leelawadee UI"/>
+        <a:font script="Bopo" typeface="Microsoft JhengHei"/>
+        <a:font script="Java" typeface="Javanese Text"/>
+        <a:font script="Lisu" typeface="Segoe UI"/>
+        <a:font script="Mymr" typeface="Myanmar Text"/>
+        <a:font script="Nkoo" typeface="Ebrima"/>
+        <a:font script="Olck" typeface="Nirmala UI"/>
+        <a:font script="Osma" typeface="Ebrima"/>
+        <a:font script="Phag" typeface="Phagspa"/>
+        <a:font script="Syrn" typeface="Estrangelo Edessa"/>
+        <a:font script="Syrj" typeface="Estrangelo Edessa"/>
+        <a:font script="Syre" typeface="Estrangelo Edessa"/>
+        <a:font script="Sora" typeface="Nirmala UI"/>
+        <a:font script="Tale" typeface="Microsoft Tai Le"/>
+        <a:font script="Talu" typeface="Microsoft New Tai Lue"/>
+        <a:font script="Tfng" typeface="Ebrima"/>
+      </a:majorFont>
+      <a:minorFont>
+        <a:latin typeface="Calibri" panose="020F0502020204030204"/>
+        <a:ea typeface=""/>
+        <a:cs typeface=""/>
+        <a:font script="Jpan" typeface="游ゴシック"/>
+        <a:font script="Hang" typeface="맑은 고딕"/>
+        <a:font script="Hans" typeface="等线"/>
+        <a:font script="Hant" typeface="新細明體"/>
+        <a:font script="Arab" typeface="Arial"/>
+        <a:font script="Hebr" typeface="Arial"/>
+        <a:font script="Thai" typeface="Cordia New"/>
+        <a:font script="Ethi" typeface="Nyala"/>
+        <a:font script="Beng" typeface="Vrinda"/>
+        <a:font script="Gujr" typeface="Shruti"/>
+        <a:font script="Khmr" typeface="DaunPenh"/>
+        <a:font script="Knda" typeface="Tunga"/>
+        <a:font script="Guru" typeface="Raavi"/>
+        <a:font script="Cans" typeface="Euphemia"/>
+        <a:font script="Cher" typeface="Plantagenet Cherokee"/>
+        <a:font script="Yiii" typeface="Microsoft Yi Baiti"/>
+        <a:font script="Tibt" typeface="Microsoft Himalaya"/>
+        <a:font script="Thaa" typeface="MV Boli"/>
+        <a:font script="Deva" typeface="Mangal"/>
+        <a:font script="Telu" typeface="Gautami"/>
+        <a:font script="Taml" typeface="Latha"/>
+        <a:font script="Syrc" typeface="Estrangelo Edessa"/>
+        <a:font script="Orya" typeface="Kalinga"/>
+        <a:font script="Mlym" typeface="Kartika"/>
+        <a:font script="Laoo" typeface="DokChampa"/>
+        <a:font script="Sinh" typeface="Iskoola Pota"/>
+        <a:font script="Mong" typeface="Mongolian Baiti"/>
+        <a:font script="Viet" typeface="Arial"/>
+        <a:font script="Uigh" typeface="Microsoft Uighur"/>
+        <a:font script="Geor" typeface="Sylfaen"/>
+        <a:font script="Armn" typeface="Arial"/>
+        <a:font script="Bugi" typeface="Leelawadee UI"/>
+        <a:font script="Bopo" typeface="Microsoft JhengHei"/>
+        <a:font script="Java" typeface="Javanese Text"/>
+        <a:font script="Lisu" typeface="Segoe UI"/>
+        <a:font script="Mymr" typeface="Myanmar Text"/>
+        <a:font script="Nkoo" typeface="Ebrima"/>
+        <a:font script="Olck" typeface="Nirmala UI"/>
+        <a:font script="Osma" typeface="Ebrima"/>
+        <a:font script="Phag" typeface="Phagspa"/>
+        <a:font script="Syrn" typeface="Estrangelo Edessa"/>
+        <a:font script="Syrj" typeface="Estrangelo Edessa"/>
+        <a:font script="Syre" typeface="Estrangelo Edessa"/>
+        <a:font script="Sora" typeface="Nirmala UI"/>
+        <a:font script="Tale" typeface="Microsoft Tai Le"/>
+        <a:font script="Talu" typeface="Microsoft New Tai Lue"/>
+        <a:font script="Tfng" typeface="Ebrima"/>
+      </a:minorFont>
+    </a:fontScheme>
+    <a:fmtScheme name="Office">
+      <a:fillStyleLst>
+        <a:solidFill>
+          <a:schemeClr val="phClr"/>
+        </a:solidFill>
+        <a:gradFill rotWithShape="1">
+          <a:gsLst>
+            <a:gs pos="0">
+              <a:schemeClr val="phClr">
+                <a:lumMod val="110000"/>
+                <a:satMod val="105000"/>
+                <a:tint val="67000"/>
+              </a:schemeClr>
+            </a:gs>
+            <a:gs pos="50000">
+              <a:schemeClr val="phClr">
+                <a:lumMod val="105000"/>
+                <a:satMod val="103000"/>
+                <a:tint val="73000"/>
+              </a:schemeClr>
+            </a:gs>
+            <a:gs pos="100000">
+              <a:schemeClr val="phClr">
+                <a:lumMod val="105000"/>
+                <a:satMod val="109000"/>
+                <a:tint val="81000"/>
+              </a:schemeClr>
+            </a:gs>
+          </a:gsLst>
+          <a:lin ang="5400000" scaled="0"/>
+        </a:gradFill>
+        <a:gradFill rotWithShape="1">
+          <a:gsLst>
+            <a:gs pos="0">
+              <a:schemeClr val="phClr">
+                <a:satMod val="103000"/>
+                <a:lumMod val="102000"/>
+                <a:tint val="94000"/>
+              </a:schemeClr>
+            </a:gs>
+            <a:gs pos="50000">
+              <a:schemeClr val="phClr">
+                <a:satMod val="110000"/>
+                <a:lumMod val="100000"/>
+                <a:shade val="100000"/>
+              </a:schemeClr>
+            </a:gs>
+            <a:gs pos="100000">
+              <a:schemeClr val="phClr">
+                <a:lumMod val="99000"/>
+                <a:satMod val="120000"/>
+                <a:shade val="78000"/>
+              </a:schemeClr>
+            </a:gs>
+          </a:gsLst>
+          <a:lin ang="5400000" scaled="0"/>
+        </a:gradFill>
+      </a:fillStyleLst>
+      <a:lnStyleLst>
+        <a:ln w="6350" cap="flat" cmpd="sng" algn="ctr">
+          <a:solidFill>
+            <a:schemeClr val="phClr"/>
+          </a:solidFill>
+          <a:prstDash val="solid"/>
+          <a:miter lim="800000"/>
+        </a:ln>
+        <a:ln w="12700" cap="flat" cmpd="sng" algn="ctr">
+          <a:solidFill>
+            <a:schemeClr val="phClr"/>
+          </a:solidFill>
+          <a:prstDash val="solid"/>
+          <a:miter lim="800000"/>
+        </a:ln>
+        <a:ln w="19050" cap="flat" cmpd="sng" algn="ctr">
+          <a:solidFill>
+            <a:schemeClr val="phClr"/>
+          </a:solidFill>
+          <a:prstDash val="solid"/>
+          <a:miter lim="800000"/>
+        </a:ln>
+      </a:lnStyleLst>
+      <a:effectStyleLst>
+        <a:effectStyle>
+          <a:effectLst/>
+        </a:effectStyle>
+        <a:effectStyle>
+          <a:effectLst/>
+        </a:effectStyle>
+        <a:effectStyle>
+          <a:effectLst>
+            <a:outerShdw blurRad="57150" dist="19050" dir="5400000" algn="ctr" rotWithShape="0">
+              <a:srgbClr val="000000">
+                <a:alpha val="63000"/>
+              </a:srgbClr>
+            </a:outerShdw>
+          </a:effectLst>
+        </a:effectStyle>
+      </a:effectStyleLst>
+      <a:bgFillStyleLst>
+        <a:solidFill>
+          <a:schemeClr val="phClr"/>
+        </a:solidFill>
+        <a:solidFill>
+          <a:schemeClr val="phClr">
+            <a:tint val="95000"/>
+            <a:satMod val="170000"/>
+          </a:schemeClr>
+        </a:solidFill>
+        <a:gradFill rotWithShape="1">
+          <a:gsLst>
+            <a:gs pos="0">
+              <a:schemeClr val="phClr">
+                <a:tint val="93000"/>
+                <a:satMod val="150000"/>
+                <a:shade val="98000"/>
+                <a:lumMod val="102000"/>
+              </a:schemeClr>
+            </a:gs>
+            <a:gs pos="50000">
+              <a:schemeClr val="phClr">
+                <a:tint val="98000"/>
+                <a:satMod val="130000"/>
+                <a:shade val="90000"/>
+                <a:lumMod val="103000"/>
+              </a:schemeClr>
+            </a:gs>
+            <a:gs pos="100000">
+              <a:schemeClr val="phClr">
+                <a:shade val="63000"/>
+                <a:satMod val="120000"/>
+              </a:schemeClr>
+            </a:gs>
+          </a:gsLst>
+          <a:lin ang="5400000" scaled="0"/>
+        </a:gradFill>
+      </a:bgFillStyleLst>
+    </a:fmtScheme>
+  </a:themeElements>
+  <a:objectDefaults/>
+  <a:extraClrSchemeLst/>
+  <a:extLst>
+    <a:ext uri="{05A4C25C-085E-4340-85A3-A5531E510DB2}">
+      <thm15:themeFamily xmlns:thm15="http://schemas.microsoft.com/office/thememl/2012/main" name="Office Theme" id="{62F939B6-93AF-4DB8-9C6B-D6C7DFDC589F}" vid="{4A3C46E8-61CC-4603-A589-7422A47A8E4A}"/>
+    </a:ext>
+  </a:extLst>
+</a:theme>
 </file>